--- a/謝謝你(崇拜版).pptx
+++ b/謝謝你(崇拜版).pptx
@@ -2,14 +2,14 @@
 <file path=ppt/presentation.xml><?xml version="1.0" encoding="utf-8"?>
 <p:presentation xmlns:a="http://schemas.openxmlformats.org/drawingml/2006/main" xmlns:r="http://schemas.openxmlformats.org/officeDocument/2006/relationships" xmlns:p="http://schemas.openxmlformats.org/presentationml/2006/main" saveSubsetFonts="1">
   <p:sldMasterIdLst>
-    <p:sldMasterId id="2147483648" r:id="rId1"/>
+    <p:sldMasterId id="2147483660" r:id="rId1"/>
   </p:sldMasterIdLst>
   <p:sldIdLst>
     <p:sldId id="256" r:id="rId2"/>
     <p:sldId id="257" r:id="rId3"/>
     <p:sldId id="258" r:id="rId4"/>
   </p:sldIdLst>
-  <p:sldSz cx="9144000" cy="6858000" type="screen4x3"/>
+  <p:sldSz cx="9144000" cy="5143500" type="screen16x9"/>
   <p:notesSz cx="6858000" cy="9144000"/>
   <p:defaultTextStyle>
     <a:defPPr>
@@ -138,8 +138,8 @@
         </p:nvSpPr>
         <p:spPr>
           <a:xfrm>
-            <a:off x="685800" y="2130425"/>
-            <a:ext cx="7772400" cy="1470025"/>
+            <a:off x="685800" y="1597819"/>
+            <a:ext cx="7772400" cy="1102519"/>
           </a:xfrm>
         </p:spPr>
         <p:txBody>
@@ -147,8 +147,8 @@
           <a:lstStyle/>
           <a:p>
             <a:r>
-              <a:rPr lang="zh-TW" altLang="en-US" smtClean="0"/>
-              <a:t>按一下以編輯母片標題樣式</a:t>
+              <a:rPr lang="en-US" altLang="zh-TW" smtClean="0"/>
+              <a:t>Click to edit Master title style</a:t>
             </a:r>
             <a:endParaRPr lang="zh-TW" altLang="en-US"/>
           </a:p>
@@ -166,8 +166,8 @@
         </p:nvSpPr>
         <p:spPr>
           <a:xfrm>
-            <a:off x="1371600" y="3886200"/>
-            <a:ext cx="6400800" cy="1752600"/>
+            <a:off x="1371600" y="2914650"/>
+            <a:ext cx="6400800" cy="1314450"/>
           </a:xfrm>
         </p:spPr>
         <p:txBody>
@@ -266,8 +266,8 @@
           </a:lstStyle>
           <a:p>
             <a:r>
-              <a:rPr lang="zh-TW" altLang="en-US" smtClean="0"/>
-              <a:t>按一下以編輯母片副標題樣式</a:t>
+              <a:rPr lang="en-US" altLang="zh-TW" smtClean="0"/>
+              <a:t>Click to edit Master subtitle style</a:t>
             </a:r>
             <a:endParaRPr lang="zh-TW" altLang="en-US"/>
           </a:p>
@@ -290,7 +290,7 @@
           <a:p>
             <a:fld id="{515656C6-E7D2-458B-8896-20BCCA86C4C9}" type="datetimeFigureOut">
               <a:rPr lang="zh-TW" altLang="en-US" smtClean="0"/>
-              <a:t>2017/6/3</a:t>
+              <a:t>2019/10/5</a:t>
             </a:fld>
             <a:endParaRPr lang="zh-TW" altLang="en-US"/>
           </a:p>
@@ -379,8 +379,8 @@
           <a:lstStyle/>
           <a:p>
             <a:r>
-              <a:rPr lang="zh-TW" altLang="en-US" smtClean="0"/>
-              <a:t>按一下以編輯母片標題樣式</a:t>
+              <a:rPr lang="en-US" altLang="zh-TW" smtClean="0"/>
+              <a:t>Click to edit Master title style</a:t>
             </a:r>
             <a:endParaRPr lang="zh-TW" altLang="en-US"/>
           </a:p>
@@ -403,36 +403,36 @@
           <a:p>
             <a:pPr lvl="0"/>
             <a:r>
-              <a:rPr lang="zh-TW" altLang="en-US" smtClean="0"/>
-              <a:t>按一下以編輯母片文字樣式</a:t>
+              <a:rPr lang="en-US" altLang="zh-TW" smtClean="0"/>
+              <a:t>Click to edit Master text styles</a:t>
             </a:r>
           </a:p>
           <a:p>
             <a:pPr lvl="1"/>
             <a:r>
-              <a:rPr lang="zh-TW" altLang="en-US" smtClean="0"/>
-              <a:t>第二層</a:t>
+              <a:rPr lang="en-US" altLang="zh-TW" smtClean="0"/>
+              <a:t>Second level</a:t>
             </a:r>
           </a:p>
           <a:p>
             <a:pPr lvl="2"/>
             <a:r>
-              <a:rPr lang="zh-TW" altLang="en-US" smtClean="0"/>
-              <a:t>第三層</a:t>
+              <a:rPr lang="en-US" altLang="zh-TW" smtClean="0"/>
+              <a:t>Third level</a:t>
             </a:r>
           </a:p>
           <a:p>
             <a:pPr lvl="3"/>
             <a:r>
-              <a:rPr lang="zh-TW" altLang="en-US" smtClean="0"/>
-              <a:t>第四層</a:t>
+              <a:rPr lang="en-US" altLang="zh-TW" smtClean="0"/>
+              <a:t>Fourth level</a:t>
             </a:r>
           </a:p>
           <a:p>
             <a:pPr lvl="4"/>
             <a:r>
-              <a:rPr lang="zh-TW" altLang="en-US" smtClean="0"/>
-              <a:t>第五層</a:t>
+              <a:rPr lang="en-US" altLang="zh-TW" smtClean="0"/>
+              <a:t>Fifth level</a:t>
             </a:r>
             <a:endParaRPr lang="zh-TW" altLang="en-US"/>
           </a:p>
@@ -455,7 +455,7 @@
           <a:p>
             <a:fld id="{515656C6-E7D2-458B-8896-20BCCA86C4C9}" type="datetimeFigureOut">
               <a:rPr lang="zh-TW" altLang="en-US" smtClean="0"/>
-              <a:t>2017/6/3</a:t>
+              <a:t>2019/10/5</a:t>
             </a:fld>
             <a:endParaRPr lang="zh-TW" altLang="en-US"/>
           </a:p>
@@ -540,8 +540,8 @@
         </p:nvSpPr>
         <p:spPr>
           <a:xfrm>
-            <a:off x="6629400" y="274638"/>
-            <a:ext cx="2057400" cy="5851525"/>
+            <a:off x="6629400" y="205979"/>
+            <a:ext cx="2057400" cy="4388644"/>
           </a:xfrm>
         </p:spPr>
         <p:txBody>
@@ -549,8 +549,8 @@
           <a:lstStyle/>
           <a:p>
             <a:r>
-              <a:rPr lang="zh-TW" altLang="en-US" smtClean="0"/>
-              <a:t>按一下以編輯母片標題樣式</a:t>
+              <a:rPr lang="en-US" altLang="zh-TW" smtClean="0"/>
+              <a:t>Click to edit Master title style</a:t>
             </a:r>
             <a:endParaRPr lang="zh-TW" altLang="en-US"/>
           </a:p>
@@ -568,8 +568,8 @@
         </p:nvSpPr>
         <p:spPr>
           <a:xfrm>
-            <a:off x="457200" y="274638"/>
-            <a:ext cx="6019800" cy="5851525"/>
+            <a:off x="457200" y="205979"/>
+            <a:ext cx="6019800" cy="4388644"/>
           </a:xfrm>
         </p:spPr>
         <p:txBody>
@@ -578,36 +578,36 @@
           <a:p>
             <a:pPr lvl="0"/>
             <a:r>
-              <a:rPr lang="zh-TW" altLang="en-US" smtClean="0"/>
-              <a:t>按一下以編輯母片文字樣式</a:t>
+              <a:rPr lang="en-US" altLang="zh-TW" smtClean="0"/>
+              <a:t>Click to edit Master text styles</a:t>
             </a:r>
           </a:p>
           <a:p>
             <a:pPr lvl="1"/>
             <a:r>
-              <a:rPr lang="zh-TW" altLang="en-US" smtClean="0"/>
-              <a:t>第二層</a:t>
+              <a:rPr lang="en-US" altLang="zh-TW" smtClean="0"/>
+              <a:t>Second level</a:t>
             </a:r>
           </a:p>
           <a:p>
             <a:pPr lvl="2"/>
             <a:r>
-              <a:rPr lang="zh-TW" altLang="en-US" smtClean="0"/>
-              <a:t>第三層</a:t>
+              <a:rPr lang="en-US" altLang="zh-TW" smtClean="0"/>
+              <a:t>Third level</a:t>
             </a:r>
           </a:p>
           <a:p>
             <a:pPr lvl="3"/>
             <a:r>
-              <a:rPr lang="zh-TW" altLang="en-US" smtClean="0"/>
-              <a:t>第四層</a:t>
+              <a:rPr lang="en-US" altLang="zh-TW" smtClean="0"/>
+              <a:t>Fourth level</a:t>
             </a:r>
           </a:p>
           <a:p>
             <a:pPr lvl="4"/>
             <a:r>
-              <a:rPr lang="zh-TW" altLang="en-US" smtClean="0"/>
-              <a:t>第五層</a:t>
+              <a:rPr lang="en-US" altLang="zh-TW" smtClean="0"/>
+              <a:t>Fifth level</a:t>
             </a:r>
             <a:endParaRPr lang="zh-TW" altLang="en-US"/>
           </a:p>
@@ -630,7 +630,7 @@
           <a:p>
             <a:fld id="{515656C6-E7D2-458B-8896-20BCCA86C4C9}" type="datetimeFigureOut">
               <a:rPr lang="zh-TW" altLang="en-US" smtClean="0"/>
-              <a:t>2017/6/3</a:t>
+              <a:t>2019/10/5</a:t>
             </a:fld>
             <a:endParaRPr lang="zh-TW" altLang="en-US"/>
           </a:p>
@@ -719,8 +719,8 @@
           <a:lstStyle/>
           <a:p>
             <a:r>
-              <a:rPr lang="zh-TW" altLang="en-US" smtClean="0"/>
-              <a:t>按一下以編輯母片標題樣式</a:t>
+              <a:rPr lang="en-US" altLang="zh-TW" smtClean="0"/>
+              <a:t>Click to edit Master title style</a:t>
             </a:r>
             <a:endParaRPr lang="zh-TW" altLang="en-US"/>
           </a:p>
@@ -743,36 +743,36 @@
           <a:p>
             <a:pPr lvl="0"/>
             <a:r>
-              <a:rPr lang="zh-TW" altLang="en-US" smtClean="0"/>
-              <a:t>按一下以編輯母片文字樣式</a:t>
+              <a:rPr lang="en-US" altLang="zh-TW" smtClean="0"/>
+              <a:t>Click to edit Master text styles</a:t>
             </a:r>
           </a:p>
           <a:p>
             <a:pPr lvl="1"/>
             <a:r>
-              <a:rPr lang="zh-TW" altLang="en-US" smtClean="0"/>
-              <a:t>第二層</a:t>
+              <a:rPr lang="en-US" altLang="zh-TW" smtClean="0"/>
+              <a:t>Second level</a:t>
             </a:r>
           </a:p>
           <a:p>
             <a:pPr lvl="2"/>
             <a:r>
-              <a:rPr lang="zh-TW" altLang="en-US" smtClean="0"/>
-              <a:t>第三層</a:t>
+              <a:rPr lang="en-US" altLang="zh-TW" smtClean="0"/>
+              <a:t>Third level</a:t>
             </a:r>
           </a:p>
           <a:p>
             <a:pPr lvl="3"/>
             <a:r>
-              <a:rPr lang="zh-TW" altLang="en-US" smtClean="0"/>
-              <a:t>第四層</a:t>
+              <a:rPr lang="en-US" altLang="zh-TW" smtClean="0"/>
+              <a:t>Fourth level</a:t>
             </a:r>
           </a:p>
           <a:p>
             <a:pPr lvl="4"/>
             <a:r>
-              <a:rPr lang="zh-TW" altLang="en-US" smtClean="0"/>
-              <a:t>第五層</a:t>
+              <a:rPr lang="en-US" altLang="zh-TW" smtClean="0"/>
+              <a:t>Fifth level</a:t>
             </a:r>
             <a:endParaRPr lang="zh-TW" altLang="en-US"/>
           </a:p>
@@ -795,7 +795,7 @@
           <a:p>
             <a:fld id="{515656C6-E7D2-458B-8896-20BCCA86C4C9}" type="datetimeFigureOut">
               <a:rPr lang="zh-TW" altLang="en-US" smtClean="0"/>
-              <a:t>2017/6/3</a:t>
+              <a:t>2019/10/5</a:t>
             </a:fld>
             <a:endParaRPr lang="zh-TW" altLang="en-US"/>
           </a:p>
@@ -880,8 +880,8 @@
         </p:nvSpPr>
         <p:spPr>
           <a:xfrm>
-            <a:off x="722313" y="4406900"/>
-            <a:ext cx="7772400" cy="1362075"/>
+            <a:off x="722313" y="3305176"/>
+            <a:ext cx="7772400" cy="1021556"/>
           </a:xfrm>
         </p:spPr>
         <p:txBody>
@@ -893,8 +893,8 @@
           </a:lstStyle>
           <a:p>
             <a:r>
-              <a:rPr lang="zh-TW" altLang="en-US" smtClean="0"/>
-              <a:t>按一下以編輯母片標題樣式</a:t>
+              <a:rPr lang="en-US" altLang="zh-TW" smtClean="0"/>
+              <a:t>Click to edit Master title style</a:t>
             </a:r>
             <a:endParaRPr lang="zh-TW" altLang="en-US"/>
           </a:p>
@@ -912,8 +912,8 @@
         </p:nvSpPr>
         <p:spPr>
           <a:xfrm>
-            <a:off x="722313" y="2906713"/>
-            <a:ext cx="7772400" cy="1500187"/>
+            <a:off x="722313" y="2180035"/>
+            <a:ext cx="7772400" cy="1125140"/>
           </a:xfrm>
         </p:spPr>
         <p:txBody>
@@ -1013,8 +1013,8 @@
           <a:p>
             <a:pPr lvl="0"/>
             <a:r>
-              <a:rPr lang="zh-TW" altLang="en-US" smtClean="0"/>
-              <a:t>按一下以編輯母片文字樣式</a:t>
+              <a:rPr lang="en-US" altLang="zh-TW" smtClean="0"/>
+              <a:t>Click to edit Master text styles</a:t>
             </a:r>
           </a:p>
         </p:txBody>
@@ -1036,7 +1036,7 @@
           <a:p>
             <a:fld id="{515656C6-E7D2-458B-8896-20BCCA86C4C9}" type="datetimeFigureOut">
               <a:rPr lang="zh-TW" altLang="en-US" smtClean="0"/>
-              <a:t>2017/6/3</a:t>
+              <a:t>2019/10/5</a:t>
             </a:fld>
             <a:endParaRPr lang="zh-TW" altLang="en-US"/>
           </a:p>
@@ -1125,8 +1125,8 @@
           <a:lstStyle/>
           <a:p>
             <a:r>
-              <a:rPr lang="zh-TW" altLang="en-US" smtClean="0"/>
-              <a:t>按一下以編輯母片標題樣式</a:t>
+              <a:rPr lang="en-US" altLang="zh-TW" smtClean="0"/>
+              <a:t>Click to edit Master title style</a:t>
             </a:r>
             <a:endParaRPr lang="zh-TW" altLang="en-US"/>
           </a:p>
@@ -1144,8 +1144,8 @@
         </p:nvSpPr>
         <p:spPr>
           <a:xfrm>
-            <a:off x="457200" y="1600200"/>
-            <a:ext cx="4038600" cy="4525963"/>
+            <a:off x="457200" y="1200151"/>
+            <a:ext cx="4038600" cy="3394472"/>
           </a:xfrm>
         </p:spPr>
         <p:txBody>
@@ -1182,36 +1182,36 @@
           <a:p>
             <a:pPr lvl="0"/>
             <a:r>
-              <a:rPr lang="zh-TW" altLang="en-US" smtClean="0"/>
-              <a:t>按一下以編輯母片文字樣式</a:t>
+              <a:rPr lang="en-US" altLang="zh-TW" smtClean="0"/>
+              <a:t>Click to edit Master text styles</a:t>
             </a:r>
           </a:p>
           <a:p>
             <a:pPr lvl="1"/>
             <a:r>
-              <a:rPr lang="zh-TW" altLang="en-US" smtClean="0"/>
-              <a:t>第二層</a:t>
+              <a:rPr lang="en-US" altLang="zh-TW" smtClean="0"/>
+              <a:t>Second level</a:t>
             </a:r>
           </a:p>
           <a:p>
             <a:pPr lvl="2"/>
             <a:r>
-              <a:rPr lang="zh-TW" altLang="en-US" smtClean="0"/>
-              <a:t>第三層</a:t>
+              <a:rPr lang="en-US" altLang="zh-TW" smtClean="0"/>
+              <a:t>Third level</a:t>
             </a:r>
           </a:p>
           <a:p>
             <a:pPr lvl="3"/>
             <a:r>
-              <a:rPr lang="zh-TW" altLang="en-US" smtClean="0"/>
-              <a:t>第四層</a:t>
+              <a:rPr lang="en-US" altLang="zh-TW" smtClean="0"/>
+              <a:t>Fourth level</a:t>
             </a:r>
           </a:p>
           <a:p>
             <a:pPr lvl="4"/>
             <a:r>
-              <a:rPr lang="zh-TW" altLang="en-US" smtClean="0"/>
-              <a:t>第五層</a:t>
+              <a:rPr lang="en-US" altLang="zh-TW" smtClean="0"/>
+              <a:t>Fifth level</a:t>
             </a:r>
             <a:endParaRPr lang="zh-TW" altLang="en-US"/>
           </a:p>
@@ -1229,8 +1229,8 @@
         </p:nvSpPr>
         <p:spPr>
           <a:xfrm>
-            <a:off x="4648200" y="1600200"/>
-            <a:ext cx="4038600" cy="4525963"/>
+            <a:off x="4648200" y="1200151"/>
+            <a:ext cx="4038600" cy="3394472"/>
           </a:xfrm>
         </p:spPr>
         <p:txBody>
@@ -1267,36 +1267,36 @@
           <a:p>
             <a:pPr lvl="0"/>
             <a:r>
-              <a:rPr lang="zh-TW" altLang="en-US" smtClean="0"/>
-              <a:t>按一下以編輯母片文字樣式</a:t>
+              <a:rPr lang="en-US" altLang="zh-TW" smtClean="0"/>
+              <a:t>Click to edit Master text styles</a:t>
             </a:r>
           </a:p>
           <a:p>
             <a:pPr lvl="1"/>
             <a:r>
-              <a:rPr lang="zh-TW" altLang="en-US" smtClean="0"/>
-              <a:t>第二層</a:t>
+              <a:rPr lang="en-US" altLang="zh-TW" smtClean="0"/>
+              <a:t>Second level</a:t>
             </a:r>
           </a:p>
           <a:p>
             <a:pPr lvl="2"/>
             <a:r>
-              <a:rPr lang="zh-TW" altLang="en-US" smtClean="0"/>
-              <a:t>第三層</a:t>
+              <a:rPr lang="en-US" altLang="zh-TW" smtClean="0"/>
+              <a:t>Third level</a:t>
             </a:r>
           </a:p>
           <a:p>
             <a:pPr lvl="3"/>
             <a:r>
-              <a:rPr lang="zh-TW" altLang="en-US" smtClean="0"/>
-              <a:t>第四層</a:t>
+              <a:rPr lang="en-US" altLang="zh-TW" smtClean="0"/>
+              <a:t>Fourth level</a:t>
             </a:r>
           </a:p>
           <a:p>
             <a:pPr lvl="4"/>
             <a:r>
-              <a:rPr lang="zh-TW" altLang="en-US" smtClean="0"/>
-              <a:t>第五層</a:t>
+              <a:rPr lang="en-US" altLang="zh-TW" smtClean="0"/>
+              <a:t>Fifth level</a:t>
             </a:r>
             <a:endParaRPr lang="zh-TW" altLang="en-US"/>
           </a:p>
@@ -1319,7 +1319,7 @@
           <a:p>
             <a:fld id="{515656C6-E7D2-458B-8896-20BCCA86C4C9}" type="datetimeFigureOut">
               <a:rPr lang="zh-TW" altLang="en-US" smtClean="0"/>
-              <a:t>2017/6/3</a:t>
+              <a:t>2019/10/5</a:t>
             </a:fld>
             <a:endParaRPr lang="zh-TW" altLang="en-US"/>
           </a:p>
@@ -1412,8 +1412,8 @@
           </a:lstStyle>
           <a:p>
             <a:r>
-              <a:rPr lang="zh-TW" altLang="en-US" smtClean="0"/>
-              <a:t>按一下以編輯母片標題樣式</a:t>
+              <a:rPr lang="en-US" altLang="zh-TW" smtClean="0"/>
+              <a:t>Click to edit Master title style</a:t>
             </a:r>
             <a:endParaRPr lang="zh-TW" altLang="en-US"/>
           </a:p>
@@ -1431,8 +1431,8 @@
         </p:nvSpPr>
         <p:spPr>
           <a:xfrm>
-            <a:off x="457200" y="1535113"/>
-            <a:ext cx="4040188" cy="639762"/>
+            <a:off x="457200" y="1151335"/>
+            <a:ext cx="4040188" cy="479822"/>
           </a:xfrm>
         </p:spPr>
         <p:txBody>
@@ -1478,8 +1478,8 @@
           <a:p>
             <a:pPr lvl="0"/>
             <a:r>
-              <a:rPr lang="zh-TW" altLang="en-US" smtClean="0"/>
-              <a:t>按一下以編輯母片文字樣式</a:t>
+              <a:rPr lang="en-US" altLang="zh-TW" smtClean="0"/>
+              <a:t>Click to edit Master text styles</a:t>
             </a:r>
           </a:p>
         </p:txBody>
@@ -1496,8 +1496,8 @@
         </p:nvSpPr>
         <p:spPr>
           <a:xfrm>
-            <a:off x="457200" y="2174875"/>
-            <a:ext cx="4040188" cy="3951288"/>
+            <a:off x="457200" y="1631156"/>
+            <a:ext cx="4040188" cy="2963466"/>
           </a:xfrm>
         </p:spPr>
         <p:txBody>
@@ -1534,36 +1534,36 @@
           <a:p>
             <a:pPr lvl="0"/>
             <a:r>
-              <a:rPr lang="zh-TW" altLang="en-US" smtClean="0"/>
-              <a:t>按一下以編輯母片文字樣式</a:t>
+              <a:rPr lang="en-US" altLang="zh-TW" smtClean="0"/>
+              <a:t>Click to edit Master text styles</a:t>
             </a:r>
           </a:p>
           <a:p>
             <a:pPr lvl="1"/>
             <a:r>
-              <a:rPr lang="zh-TW" altLang="en-US" smtClean="0"/>
-              <a:t>第二層</a:t>
+              <a:rPr lang="en-US" altLang="zh-TW" smtClean="0"/>
+              <a:t>Second level</a:t>
             </a:r>
           </a:p>
           <a:p>
             <a:pPr lvl="2"/>
             <a:r>
-              <a:rPr lang="zh-TW" altLang="en-US" smtClean="0"/>
-              <a:t>第三層</a:t>
+              <a:rPr lang="en-US" altLang="zh-TW" smtClean="0"/>
+              <a:t>Third level</a:t>
             </a:r>
           </a:p>
           <a:p>
             <a:pPr lvl="3"/>
             <a:r>
-              <a:rPr lang="zh-TW" altLang="en-US" smtClean="0"/>
-              <a:t>第四層</a:t>
+              <a:rPr lang="en-US" altLang="zh-TW" smtClean="0"/>
+              <a:t>Fourth level</a:t>
             </a:r>
           </a:p>
           <a:p>
             <a:pPr lvl="4"/>
             <a:r>
-              <a:rPr lang="zh-TW" altLang="en-US" smtClean="0"/>
-              <a:t>第五層</a:t>
+              <a:rPr lang="en-US" altLang="zh-TW" smtClean="0"/>
+              <a:t>Fifth level</a:t>
             </a:r>
             <a:endParaRPr lang="zh-TW" altLang="en-US"/>
           </a:p>
@@ -1581,8 +1581,8 @@
         </p:nvSpPr>
         <p:spPr>
           <a:xfrm>
-            <a:off x="4645025" y="1535113"/>
-            <a:ext cx="4041775" cy="639762"/>
+            <a:off x="4645026" y="1151335"/>
+            <a:ext cx="4041775" cy="479822"/>
           </a:xfrm>
         </p:spPr>
         <p:txBody>
@@ -1628,8 +1628,8 @@
           <a:p>
             <a:pPr lvl="0"/>
             <a:r>
-              <a:rPr lang="zh-TW" altLang="en-US" smtClean="0"/>
-              <a:t>按一下以編輯母片文字樣式</a:t>
+              <a:rPr lang="en-US" altLang="zh-TW" smtClean="0"/>
+              <a:t>Click to edit Master text styles</a:t>
             </a:r>
           </a:p>
         </p:txBody>
@@ -1646,8 +1646,8 @@
         </p:nvSpPr>
         <p:spPr>
           <a:xfrm>
-            <a:off x="4645025" y="2174875"/>
-            <a:ext cx="4041775" cy="3951288"/>
+            <a:off x="4645026" y="1631156"/>
+            <a:ext cx="4041775" cy="2963466"/>
           </a:xfrm>
         </p:spPr>
         <p:txBody>
@@ -1684,36 +1684,36 @@
           <a:p>
             <a:pPr lvl="0"/>
             <a:r>
-              <a:rPr lang="zh-TW" altLang="en-US" smtClean="0"/>
-              <a:t>按一下以編輯母片文字樣式</a:t>
+              <a:rPr lang="en-US" altLang="zh-TW" smtClean="0"/>
+              <a:t>Click to edit Master text styles</a:t>
             </a:r>
           </a:p>
           <a:p>
             <a:pPr lvl="1"/>
             <a:r>
-              <a:rPr lang="zh-TW" altLang="en-US" smtClean="0"/>
-              <a:t>第二層</a:t>
+              <a:rPr lang="en-US" altLang="zh-TW" smtClean="0"/>
+              <a:t>Second level</a:t>
             </a:r>
           </a:p>
           <a:p>
             <a:pPr lvl="2"/>
             <a:r>
-              <a:rPr lang="zh-TW" altLang="en-US" smtClean="0"/>
-              <a:t>第三層</a:t>
+              <a:rPr lang="en-US" altLang="zh-TW" smtClean="0"/>
+              <a:t>Third level</a:t>
             </a:r>
           </a:p>
           <a:p>
             <a:pPr lvl="3"/>
             <a:r>
-              <a:rPr lang="zh-TW" altLang="en-US" smtClean="0"/>
-              <a:t>第四層</a:t>
+              <a:rPr lang="en-US" altLang="zh-TW" smtClean="0"/>
+              <a:t>Fourth level</a:t>
             </a:r>
           </a:p>
           <a:p>
             <a:pPr lvl="4"/>
             <a:r>
-              <a:rPr lang="zh-TW" altLang="en-US" smtClean="0"/>
-              <a:t>第五層</a:t>
+              <a:rPr lang="en-US" altLang="zh-TW" smtClean="0"/>
+              <a:t>Fifth level</a:t>
             </a:r>
             <a:endParaRPr lang="zh-TW" altLang="en-US"/>
           </a:p>
@@ -1736,7 +1736,7 @@
           <a:p>
             <a:fld id="{515656C6-E7D2-458B-8896-20BCCA86C4C9}" type="datetimeFigureOut">
               <a:rPr lang="zh-TW" altLang="en-US" smtClean="0"/>
-              <a:t>2017/6/3</a:t>
+              <a:t>2019/10/5</a:t>
             </a:fld>
             <a:endParaRPr lang="zh-TW" altLang="en-US"/>
           </a:p>
@@ -1825,8 +1825,8 @@
           <a:lstStyle/>
           <a:p>
             <a:r>
-              <a:rPr lang="zh-TW" altLang="en-US" smtClean="0"/>
-              <a:t>按一下以編輯母片標題樣式</a:t>
+              <a:rPr lang="en-US" altLang="zh-TW" smtClean="0"/>
+              <a:t>Click to edit Master title style</a:t>
             </a:r>
             <a:endParaRPr lang="zh-TW" altLang="en-US"/>
           </a:p>
@@ -1849,7 +1849,7 @@
           <a:p>
             <a:fld id="{515656C6-E7D2-458B-8896-20BCCA86C4C9}" type="datetimeFigureOut">
               <a:rPr lang="zh-TW" altLang="en-US" smtClean="0"/>
-              <a:t>2017/6/3</a:t>
+              <a:t>2019/10/5</a:t>
             </a:fld>
             <a:endParaRPr lang="zh-TW" altLang="en-US"/>
           </a:p>
@@ -1939,7 +1939,7 @@
           <a:p>
             <a:fld id="{515656C6-E7D2-458B-8896-20BCCA86C4C9}" type="datetimeFigureOut">
               <a:rPr lang="zh-TW" altLang="en-US" smtClean="0"/>
-              <a:t>2017/6/3</a:t>
+              <a:t>2019/10/5</a:t>
             </a:fld>
             <a:endParaRPr lang="zh-TW" altLang="en-US"/>
           </a:p>
@@ -2024,8 +2024,8 @@
         </p:nvSpPr>
         <p:spPr>
           <a:xfrm>
-            <a:off x="457200" y="273050"/>
-            <a:ext cx="3008313" cy="1162050"/>
+            <a:off x="457201" y="204787"/>
+            <a:ext cx="3008313" cy="871538"/>
           </a:xfrm>
         </p:spPr>
         <p:txBody>
@@ -2037,8 +2037,8 @@
           </a:lstStyle>
           <a:p>
             <a:r>
-              <a:rPr lang="zh-TW" altLang="en-US" smtClean="0"/>
-              <a:t>按一下以編輯母片標題樣式</a:t>
+              <a:rPr lang="en-US" altLang="zh-TW" smtClean="0"/>
+              <a:t>Click to edit Master title style</a:t>
             </a:r>
             <a:endParaRPr lang="zh-TW" altLang="en-US"/>
           </a:p>
@@ -2056,8 +2056,8 @@
         </p:nvSpPr>
         <p:spPr>
           <a:xfrm>
-            <a:off x="3575050" y="273050"/>
-            <a:ext cx="5111750" cy="5853113"/>
+            <a:off x="3575050" y="204788"/>
+            <a:ext cx="5111750" cy="4389835"/>
           </a:xfrm>
         </p:spPr>
         <p:txBody>
@@ -2094,36 +2094,36 @@
           <a:p>
             <a:pPr lvl="0"/>
             <a:r>
-              <a:rPr lang="zh-TW" altLang="en-US" smtClean="0"/>
-              <a:t>按一下以編輯母片文字樣式</a:t>
+              <a:rPr lang="en-US" altLang="zh-TW" smtClean="0"/>
+              <a:t>Click to edit Master text styles</a:t>
             </a:r>
           </a:p>
           <a:p>
             <a:pPr lvl="1"/>
             <a:r>
-              <a:rPr lang="zh-TW" altLang="en-US" smtClean="0"/>
-              <a:t>第二層</a:t>
+              <a:rPr lang="en-US" altLang="zh-TW" smtClean="0"/>
+              <a:t>Second level</a:t>
             </a:r>
           </a:p>
           <a:p>
             <a:pPr lvl="2"/>
             <a:r>
-              <a:rPr lang="zh-TW" altLang="en-US" smtClean="0"/>
-              <a:t>第三層</a:t>
+              <a:rPr lang="en-US" altLang="zh-TW" smtClean="0"/>
+              <a:t>Third level</a:t>
             </a:r>
           </a:p>
           <a:p>
             <a:pPr lvl="3"/>
             <a:r>
-              <a:rPr lang="zh-TW" altLang="en-US" smtClean="0"/>
-              <a:t>第四層</a:t>
+              <a:rPr lang="en-US" altLang="zh-TW" smtClean="0"/>
+              <a:t>Fourth level</a:t>
             </a:r>
           </a:p>
           <a:p>
             <a:pPr lvl="4"/>
             <a:r>
-              <a:rPr lang="zh-TW" altLang="en-US" smtClean="0"/>
-              <a:t>第五層</a:t>
+              <a:rPr lang="en-US" altLang="zh-TW" smtClean="0"/>
+              <a:t>Fifth level</a:t>
             </a:r>
             <a:endParaRPr lang="zh-TW" altLang="en-US"/>
           </a:p>
@@ -2141,8 +2141,8 @@
         </p:nvSpPr>
         <p:spPr>
           <a:xfrm>
-            <a:off x="457200" y="1435100"/>
-            <a:ext cx="3008313" cy="4691063"/>
+            <a:off x="457201" y="1076326"/>
+            <a:ext cx="3008313" cy="3518297"/>
           </a:xfrm>
         </p:spPr>
         <p:txBody>
@@ -2188,8 +2188,8 @@
           <a:p>
             <a:pPr lvl="0"/>
             <a:r>
-              <a:rPr lang="zh-TW" altLang="en-US" smtClean="0"/>
-              <a:t>按一下以編輯母片文字樣式</a:t>
+              <a:rPr lang="en-US" altLang="zh-TW" smtClean="0"/>
+              <a:t>Click to edit Master text styles</a:t>
             </a:r>
           </a:p>
         </p:txBody>
@@ -2211,7 +2211,7 @@
           <a:p>
             <a:fld id="{515656C6-E7D2-458B-8896-20BCCA86C4C9}" type="datetimeFigureOut">
               <a:rPr lang="zh-TW" altLang="en-US" smtClean="0"/>
-              <a:t>2017/6/3</a:t>
+              <a:t>2019/10/5</a:t>
             </a:fld>
             <a:endParaRPr lang="zh-TW" altLang="en-US"/>
           </a:p>
@@ -2296,8 +2296,8 @@
         </p:nvSpPr>
         <p:spPr>
           <a:xfrm>
-            <a:off x="1792288" y="4800600"/>
-            <a:ext cx="5486400" cy="566738"/>
+            <a:off x="1792288" y="3600450"/>
+            <a:ext cx="5486400" cy="425054"/>
           </a:xfrm>
         </p:spPr>
         <p:txBody>
@@ -2309,8 +2309,8 @@
           </a:lstStyle>
           <a:p>
             <a:r>
-              <a:rPr lang="zh-TW" altLang="en-US" smtClean="0"/>
-              <a:t>按一下以編輯母片標題樣式</a:t>
+              <a:rPr lang="en-US" altLang="zh-TW" smtClean="0"/>
+              <a:t>Click to edit Master title style</a:t>
             </a:r>
             <a:endParaRPr lang="zh-TW" altLang="en-US"/>
           </a:p>
@@ -2328,8 +2328,8 @@
         </p:nvSpPr>
         <p:spPr>
           <a:xfrm>
-            <a:off x="1792288" y="612775"/>
-            <a:ext cx="5486400" cy="4114800"/>
+            <a:off x="1792288" y="459581"/>
+            <a:ext cx="5486400" cy="3086100"/>
           </a:xfrm>
         </p:spPr>
         <p:txBody>
@@ -2373,6 +2373,10 @@
             </a:lvl9pPr>
           </a:lstStyle>
           <a:p>
+            <a:r>
+              <a:rPr lang="en-US" altLang="zh-TW" smtClean="0"/>
+              <a:t>Click icon to add picture</a:t>
+            </a:r>
             <a:endParaRPr lang="zh-TW" altLang="en-US"/>
           </a:p>
         </p:txBody>
@@ -2389,8 +2393,8 @@
         </p:nvSpPr>
         <p:spPr>
           <a:xfrm>
-            <a:off x="1792288" y="5367338"/>
-            <a:ext cx="5486400" cy="804862"/>
+            <a:off x="1792288" y="4025503"/>
+            <a:ext cx="5486400" cy="603647"/>
           </a:xfrm>
         </p:spPr>
         <p:txBody>
@@ -2436,8 +2440,8 @@
           <a:p>
             <a:pPr lvl="0"/>
             <a:r>
-              <a:rPr lang="zh-TW" altLang="en-US" smtClean="0"/>
-              <a:t>按一下以編輯母片文字樣式</a:t>
+              <a:rPr lang="en-US" altLang="zh-TW" smtClean="0"/>
+              <a:t>Click to edit Master text styles</a:t>
             </a:r>
           </a:p>
         </p:txBody>
@@ -2459,7 +2463,7 @@
           <a:p>
             <a:fld id="{515656C6-E7D2-458B-8896-20BCCA86C4C9}" type="datetimeFigureOut">
               <a:rPr lang="zh-TW" altLang="en-US" smtClean="0"/>
-              <a:t>2017/6/3</a:t>
+              <a:t>2019/10/5</a:t>
             </a:fld>
             <a:endParaRPr lang="zh-TW" altLang="en-US"/>
           </a:p>
@@ -2519,9 +2523,14 @@
 <p:sldMaster xmlns:a="http://schemas.openxmlformats.org/drawingml/2006/main" xmlns:r="http://schemas.openxmlformats.org/officeDocument/2006/relationships" xmlns:p="http://schemas.openxmlformats.org/presentationml/2006/main">
   <p:cSld>
     <p:bg>
-      <p:bgRef idx="1001">
-        <a:schemeClr val="bg1"/>
-      </p:bgRef>
+      <p:bgPr>
+        <a:blipFill dpi="0" rotWithShape="1">
+          <a:blip r:embed="rId13"/>
+          <a:srcRect/>
+          <a:tile tx="0" ty="0" sx="100000" sy="100000" flip="none" algn="tl"/>
+        </a:blipFill>
+        <a:effectLst/>
+      </p:bgPr>
     </p:bg>
     <p:spTree>
       <p:nvGrpSpPr>
@@ -2549,8 +2558,8 @@
         </p:nvSpPr>
         <p:spPr>
           <a:xfrm>
-            <a:off x="457200" y="274638"/>
-            <a:ext cx="8229600" cy="1143000"/>
+            <a:off x="457200" y="205979"/>
+            <a:ext cx="8229600" cy="857250"/>
           </a:xfrm>
           <a:prstGeom prst="rect">
             <a:avLst/>
@@ -2582,8 +2591,8 @@
         </p:nvSpPr>
         <p:spPr>
           <a:xfrm>
-            <a:off x="457200" y="1600200"/>
-            <a:ext cx="8229600" cy="4525963"/>
+            <a:off x="457200" y="1200151"/>
+            <a:ext cx="8229600" cy="3394472"/>
           </a:xfrm>
           <a:prstGeom prst="rect">
             <a:avLst/>
@@ -2644,8 +2653,8 @@
         </p:nvSpPr>
         <p:spPr>
           <a:xfrm>
-            <a:off x="457200" y="6356350"/>
-            <a:ext cx="2133600" cy="365125"/>
+            <a:off x="457200" y="4767263"/>
+            <a:ext cx="2133600" cy="273844"/>
           </a:xfrm>
           <a:prstGeom prst="rect">
             <a:avLst/>
@@ -2667,7 +2676,7 @@
           <a:p>
             <a:fld id="{515656C6-E7D2-458B-8896-20BCCA86C4C9}" type="datetimeFigureOut">
               <a:rPr lang="zh-TW" altLang="en-US" smtClean="0"/>
-              <a:t>2017/6/3</a:t>
+              <a:t>2019/10/5</a:t>
             </a:fld>
             <a:endParaRPr lang="zh-TW" altLang="en-US"/>
           </a:p>
@@ -2685,8 +2694,8 @@
         </p:nvSpPr>
         <p:spPr>
           <a:xfrm>
-            <a:off x="3124200" y="6356350"/>
-            <a:ext cx="2895600" cy="365125"/>
+            <a:off x="3124200" y="4767263"/>
+            <a:ext cx="2895600" cy="273844"/>
           </a:xfrm>
           <a:prstGeom prst="rect">
             <a:avLst/>
@@ -2722,8 +2731,8 @@
         </p:nvSpPr>
         <p:spPr>
           <a:xfrm>
-            <a:off x="6553200" y="6356350"/>
-            <a:ext cx="2133600" cy="365125"/>
+            <a:off x="6553200" y="4767263"/>
+            <a:ext cx="2133600" cy="273844"/>
           </a:xfrm>
           <a:prstGeom prst="rect">
             <a:avLst/>
@@ -2755,17 +2764,17 @@
   </p:cSld>
   <p:clrMap bg1="lt1" tx1="dk1" bg2="lt2" tx2="dk2" accent1="accent1" accent2="accent2" accent3="accent3" accent4="accent4" accent5="accent5" accent6="accent6" hlink="hlink" folHlink="folHlink"/>
   <p:sldLayoutIdLst>
-    <p:sldLayoutId id="2147483649" r:id="rId1"/>
-    <p:sldLayoutId id="2147483650" r:id="rId2"/>
-    <p:sldLayoutId id="2147483651" r:id="rId3"/>
-    <p:sldLayoutId id="2147483652" r:id="rId4"/>
-    <p:sldLayoutId id="2147483653" r:id="rId5"/>
-    <p:sldLayoutId id="2147483654" r:id="rId6"/>
-    <p:sldLayoutId id="2147483655" r:id="rId7"/>
-    <p:sldLayoutId id="2147483656" r:id="rId8"/>
-    <p:sldLayoutId id="2147483657" r:id="rId9"/>
-    <p:sldLayoutId id="2147483658" r:id="rId10"/>
-    <p:sldLayoutId id="2147483659" r:id="rId11"/>
+    <p:sldLayoutId id="2147483661" r:id="rId1"/>
+    <p:sldLayoutId id="2147483662" r:id="rId2"/>
+    <p:sldLayoutId id="2147483663" r:id="rId3"/>
+    <p:sldLayoutId id="2147483664" r:id="rId4"/>
+    <p:sldLayoutId id="2147483665" r:id="rId5"/>
+    <p:sldLayoutId id="2147483666" r:id="rId6"/>
+    <p:sldLayoutId id="2147483667" r:id="rId7"/>
+    <p:sldLayoutId id="2147483668" r:id="rId8"/>
+    <p:sldLayoutId id="2147483669" r:id="rId9"/>
+    <p:sldLayoutId id="2147483670" r:id="rId10"/>
+    <p:sldLayoutId id="2147483671" r:id="rId11"/>
   </p:sldLayoutIdLst>
   <p:txStyles>
     <p:titleStyle>
@@ -3049,20 +3058,42 @@
         </p:nvSpPr>
         <p:spPr/>
         <p:txBody>
-          <a:bodyPr/>
-          <a:lstStyle/>
-          <a:p>
-            <a:r>
-              <a:rPr lang="zh-CN" altLang="en-US" b="1" dirty="0" smtClean="0">
-                <a:solidFill>
-                  <a:srgbClr val="000066"/>
-                </a:solidFill>
-                <a:latin typeface="微軟正黑體" pitchFamily="34" charset="-120"/>
-                <a:ea typeface="微軟正黑體" pitchFamily="34" charset="-120"/>
-              </a:rPr>
-              <a:t>謝謝你</a:t>
-            </a:r>
-            <a:endParaRPr lang="zh-TW" altLang="en-US" b="1" dirty="0">
+          <a:bodyPr>
+            <a:normAutofit/>
+          </a:bodyPr>
+          <a:lstStyle/>
+          <a:p>
+            <a:r>
+              <a:rPr lang="zh-CN" altLang="en-US" sz="4000" b="1" dirty="0" smtClean="0">
+                <a:solidFill>
+                  <a:srgbClr val="000066"/>
+                </a:solidFill>
+                <a:latin typeface="微軟正黑體" pitchFamily="34" charset="-120"/>
+                <a:ea typeface="微軟正黑體" pitchFamily="34" charset="-120"/>
+              </a:rPr>
+              <a:t>謝</a:t>
+            </a:r>
+            <a:r>
+              <a:rPr lang="zh-CN" altLang="en-US" sz="4000" b="1" dirty="0" smtClean="0">
+                <a:solidFill>
+                  <a:srgbClr val="000066"/>
+                </a:solidFill>
+                <a:latin typeface="微軟正黑體" pitchFamily="34" charset="-120"/>
+                <a:ea typeface="微軟正黑體" pitchFamily="34" charset="-120"/>
+              </a:rPr>
+              <a:t>謝</a:t>
+            </a:r>
+            <a:r>
+              <a:rPr lang="zh-CN" altLang="en-US" sz="4000" b="1" dirty="0">
+                <a:solidFill>
+                  <a:srgbClr val="000066"/>
+                </a:solidFill>
+                <a:latin typeface="微軟正黑體" pitchFamily="34" charset="-120"/>
+                <a:ea typeface="微軟正黑體" pitchFamily="34" charset="-120"/>
+              </a:rPr>
+              <a:t>祢</a:t>
+            </a:r>
+            <a:endParaRPr lang="zh-TW" altLang="en-US" sz="4000" b="1" dirty="0">
               <a:solidFill>
                 <a:srgbClr val="000066"/>
               </a:solidFill>
@@ -3084,8 +3115,8 @@
         </p:nvSpPr>
         <p:spPr>
           <a:xfrm>
-            <a:off x="0" y="1600200"/>
-            <a:ext cx="9144000" cy="4525963"/>
+            <a:off x="0" y="1200151"/>
+            <a:ext cx="9144000" cy="3394472"/>
           </a:xfrm>
         </p:spPr>
         <p:txBody>
@@ -3098,17 +3129,37 @@
               <a:buNone/>
             </a:pPr>
             <a:r>
-              <a:rPr lang="zh-TW" altLang="en-US" sz="5400" b="1" dirty="0">
-                <a:solidFill>
-                  <a:srgbClr val="000066"/>
-                </a:solidFill>
-                <a:latin typeface="微軟正黑體" pitchFamily="34" charset="-120"/>
-                <a:ea typeface="微軟正黑體" pitchFamily="34" charset="-120"/>
-              </a:rPr>
-              <a:t>我能用什麼報答你</a:t>
-            </a:r>
-            <a:r>
-              <a:rPr lang="zh-TW" altLang="en-US" sz="5400" b="1" dirty="0" smtClean="0">
+              <a:rPr lang="zh-TW" altLang="en-US" sz="4800" b="1" dirty="0">
+                <a:solidFill>
+                  <a:srgbClr val="000066"/>
+                </a:solidFill>
+                <a:latin typeface="微軟正黑體" pitchFamily="34" charset="-120"/>
+                <a:ea typeface="微軟正黑體" pitchFamily="34" charset="-120"/>
+              </a:rPr>
+              <a:t>我能用什麼報</a:t>
+            </a:r>
+            <a:r>
+              <a:rPr lang="zh-TW" altLang="en-US" sz="4800" b="1" dirty="0" smtClean="0">
+                <a:solidFill>
+                  <a:srgbClr val="000066"/>
+                </a:solidFill>
+                <a:latin typeface="微軟正黑體" pitchFamily="34" charset="-120"/>
+                <a:ea typeface="微軟正黑體" pitchFamily="34" charset="-120"/>
+              </a:rPr>
+              <a:t>答</a:t>
+            </a:r>
+            <a:r>
+              <a:rPr lang="zh-CN" altLang="en-US" sz="4800" b="1" dirty="0">
+                <a:solidFill>
+                  <a:srgbClr val="000066"/>
+                </a:solidFill>
+                <a:latin typeface="微軟正黑體" pitchFamily="34" charset="-120"/>
+                <a:ea typeface="微軟正黑體" pitchFamily="34" charset="-120"/>
+              </a:rPr>
+              <a:t>祢</a:t>
+            </a:r>
+            <a:r>
+              <a:rPr lang="zh-TW" altLang="en-US" sz="4800" b="1" dirty="0">
                 <a:solidFill>
                   <a:srgbClr val="000066"/>
                 </a:solidFill>
@@ -3117,7 +3168,7 @@
               </a:rPr>
               <a:t>恩典</a:t>
             </a:r>
-            <a:endParaRPr lang="en-US" altLang="zh-TW" sz="5400" b="1" dirty="0" smtClean="0">
+            <a:endParaRPr lang="en-US" altLang="zh-TW" sz="4800" b="1" dirty="0">
               <a:solidFill>
                 <a:srgbClr val="000066"/>
               </a:solidFill>
@@ -3130,7 +3181,7 @@
               <a:buNone/>
             </a:pPr>
             <a:r>
-              <a:rPr lang="zh-TW" altLang="en-US" sz="5400" b="1" dirty="0" smtClean="0">
+              <a:rPr lang="zh-TW" altLang="en-US" sz="4800" b="1" dirty="0">
                 <a:solidFill>
                   <a:srgbClr val="000066"/>
                 </a:solidFill>
@@ -3140,7 +3191,7 @@
               <a:t>世上</a:t>
             </a:r>
             <a:r>
-              <a:rPr lang="zh-TW" altLang="en-US" sz="5400" b="1" dirty="0">
+              <a:rPr lang="zh-TW" altLang="en-US" sz="4800" b="1" dirty="0">
                 <a:solidFill>
                   <a:srgbClr val="000066"/>
                 </a:solidFill>
@@ -3150,7 +3201,7 @@
               <a:t>的</a:t>
             </a:r>
             <a:r>
-              <a:rPr lang="zh-TW" altLang="en-US" sz="5400" b="1" dirty="0" smtClean="0">
+              <a:rPr lang="zh-TW" altLang="en-US" sz="4800" b="1" dirty="0">
                 <a:solidFill>
                   <a:srgbClr val="000066"/>
                 </a:solidFill>
@@ -3160,26 +3211,46 @@
               <a:t>一切  無法</a:t>
             </a:r>
             <a:r>
-              <a:rPr lang="zh-TW" altLang="en-US" sz="5400" b="1" dirty="0">
-                <a:solidFill>
-                  <a:srgbClr val="000066"/>
-                </a:solidFill>
-                <a:latin typeface="微軟正黑體" pitchFamily="34" charset="-120"/>
-                <a:ea typeface="微軟正黑體" pitchFamily="34" charset="-120"/>
-              </a:rPr>
-              <a:t>換取你的</a:t>
-            </a:r>
-            <a:r>
-              <a:rPr lang="zh-TW" altLang="en-US" sz="5400" b="1" dirty="0" smtClean="0">
-                <a:solidFill>
-                  <a:srgbClr val="000066"/>
-                </a:solidFill>
-                <a:latin typeface="微軟正黑體" pitchFamily="34" charset="-120"/>
-                <a:ea typeface="微軟正黑體" pitchFamily="34" charset="-120"/>
-              </a:rPr>
-              <a:t>愛</a:t>
-            </a:r>
-            <a:endParaRPr lang="en-US" altLang="zh-TW" sz="5400" b="1" dirty="0" smtClean="0">
+              <a:rPr lang="zh-TW" altLang="en-US" sz="4800" b="1" dirty="0">
+                <a:solidFill>
+                  <a:srgbClr val="000066"/>
+                </a:solidFill>
+                <a:latin typeface="微軟正黑體" pitchFamily="34" charset="-120"/>
+                <a:ea typeface="微軟正黑體" pitchFamily="34" charset="-120"/>
+              </a:rPr>
+              <a:t>換</a:t>
+            </a:r>
+            <a:r>
+              <a:rPr lang="zh-TW" altLang="en-US" sz="4800" b="1" dirty="0">
+                <a:solidFill>
+                  <a:srgbClr val="000066"/>
+                </a:solidFill>
+                <a:latin typeface="微軟正黑體" pitchFamily="34" charset="-120"/>
+                <a:ea typeface="微軟正黑體" pitchFamily="34" charset="-120"/>
+              </a:rPr>
+              <a:t>取</a:t>
+            </a:r>
+            <a:r>
+              <a:rPr lang="zh-CN" altLang="en-US" sz="4800" b="1" dirty="0">
+                <a:solidFill>
+                  <a:srgbClr val="000066"/>
+                </a:solidFill>
+                <a:latin typeface="微軟正黑體" pitchFamily="34" charset="-120"/>
+                <a:ea typeface="微軟正黑體" pitchFamily="34" charset="-120"/>
+              </a:rPr>
+              <a:t>祢</a:t>
+            </a:r>
+            <a:r>
+              <a:rPr lang="zh-TW" altLang="en-US" sz="4800" b="1" dirty="0">
+                <a:solidFill>
+                  <a:srgbClr val="000066"/>
+                </a:solidFill>
+                <a:latin typeface="微軟正黑體" pitchFamily="34" charset="-120"/>
+                <a:ea typeface="微軟正黑體" pitchFamily="34" charset="-120"/>
+              </a:rPr>
+              <a:t>的愛</a:t>
+            </a:r>
+            <a:endParaRPr lang="en-US" altLang="zh-TW" sz="4800" b="1" dirty="0">
               <a:solidFill>
                 <a:srgbClr val="000066"/>
               </a:solidFill>
@@ -3192,7 +3263,7 @@
               <a:buNone/>
             </a:pPr>
             <a:r>
-              <a:rPr lang="zh-TW" altLang="en-US" sz="5400" b="1" dirty="0" smtClean="0">
+              <a:rPr lang="zh-TW" altLang="en-US" sz="4800" b="1" dirty="0" smtClean="0">
                 <a:solidFill>
                   <a:srgbClr val="000066"/>
                 </a:solidFill>
@@ -3202,7 +3273,7 @@
               <a:t>白白</a:t>
             </a:r>
             <a:r>
-              <a:rPr lang="zh-TW" altLang="en-US" sz="5400" b="1" dirty="0">
+              <a:rPr lang="zh-TW" altLang="en-US" sz="4800" b="1" dirty="0">
                 <a:solidFill>
                   <a:srgbClr val="000066"/>
                 </a:solidFill>
@@ -3212,7 +3283,7 @@
               <a:t>地得</a:t>
             </a:r>
             <a:r>
-              <a:rPr lang="zh-TW" altLang="en-US" sz="5400" b="1" dirty="0" smtClean="0">
+              <a:rPr lang="zh-TW" altLang="en-US" sz="4800" b="1" dirty="0" smtClean="0">
                 <a:solidFill>
                   <a:srgbClr val="000066"/>
                 </a:solidFill>
@@ -3222,7 +3293,7 @@
               <a:t>來  無</a:t>
             </a:r>
             <a:r>
-              <a:rPr lang="zh-TW" altLang="en-US" sz="5400" b="1" dirty="0">
+              <a:rPr lang="zh-TW" altLang="en-US" sz="4800" b="1" dirty="0">
                 <a:solidFill>
                   <a:srgbClr val="000066"/>
                 </a:solidFill>
@@ -3232,7 +3303,7 @@
               <a:t>止盡</a:t>
             </a:r>
             <a:r>
-              <a:rPr lang="zh-TW" altLang="en-US" sz="5400" b="1" dirty="0" smtClean="0">
+              <a:rPr lang="zh-TW" altLang="en-US" sz="4800" b="1" dirty="0" smtClean="0">
                 <a:solidFill>
                   <a:srgbClr val="000066"/>
                 </a:solidFill>
@@ -3241,7 +3312,7 @@
               </a:rPr>
               <a:t>赦免</a:t>
             </a:r>
-            <a:endParaRPr lang="en-US" altLang="zh-TW" sz="5400" b="1" dirty="0" smtClean="0">
+            <a:endParaRPr lang="en-US" altLang="zh-TW" sz="4800" b="1" dirty="0" smtClean="0">
               <a:solidFill>
                 <a:srgbClr val="000066"/>
               </a:solidFill>
@@ -3254,7 +3325,7 @@
               <a:buNone/>
             </a:pPr>
             <a:r>
-              <a:rPr lang="zh-TW" altLang="en-US" sz="5400" b="1" dirty="0" smtClean="0">
+              <a:rPr lang="zh-TW" altLang="en-US" sz="4800" b="1" dirty="0" smtClean="0">
                 <a:solidFill>
                   <a:srgbClr val="000066"/>
                 </a:solidFill>
@@ -3264,7 +3335,7 @@
               <a:t>盡</a:t>
             </a:r>
             <a:r>
-              <a:rPr lang="zh-TW" altLang="en-US" sz="5400" b="1" dirty="0">
+              <a:rPr lang="zh-TW" altLang="en-US" sz="4800" b="1" dirty="0">
                 <a:solidFill>
                   <a:srgbClr val="000066"/>
                 </a:solidFill>
@@ -3274,7 +3345,7 @@
               <a:t>在寶血和十</a:t>
             </a:r>
             <a:r>
-              <a:rPr lang="zh-TW" altLang="en-US" sz="5400" b="1" dirty="0" smtClean="0">
+              <a:rPr lang="zh-TW" altLang="en-US" sz="4800" b="1" dirty="0" smtClean="0">
                 <a:solidFill>
                   <a:srgbClr val="000066"/>
                 </a:solidFill>
@@ -3283,7 +3354,7 @@
               </a:rPr>
               <a:t>架</a:t>
             </a:r>
-            <a:endParaRPr lang="zh-TW" altLang="en-US" sz="5400" b="1" dirty="0">
+            <a:endParaRPr lang="zh-TW" altLang="en-US" sz="4800" b="1" dirty="0">
               <a:solidFill>
                 <a:srgbClr val="000066"/>
               </a:solidFill>
@@ -3330,20 +3401,42 @@
         </p:nvSpPr>
         <p:spPr/>
         <p:txBody>
-          <a:bodyPr/>
-          <a:lstStyle/>
-          <a:p>
-            <a:r>
-              <a:rPr lang="zh-CN" altLang="en-US" b="1" dirty="0" smtClean="0">
-                <a:solidFill>
-                  <a:srgbClr val="000066"/>
-                </a:solidFill>
-                <a:latin typeface="微軟正黑體" pitchFamily="34" charset="-120"/>
-                <a:ea typeface="微軟正黑體" pitchFamily="34" charset="-120"/>
-              </a:rPr>
-              <a:t>謝謝你</a:t>
-            </a:r>
-            <a:endParaRPr lang="zh-TW" altLang="en-US" b="1" dirty="0">
+          <a:bodyPr>
+            <a:normAutofit/>
+          </a:bodyPr>
+          <a:lstStyle/>
+          <a:p>
+            <a:r>
+              <a:rPr lang="zh-CN" altLang="en-US" sz="4000" b="1" dirty="0">
+                <a:solidFill>
+                  <a:srgbClr val="000066"/>
+                </a:solidFill>
+                <a:latin typeface="微軟正黑體" pitchFamily="34" charset="-120"/>
+                <a:ea typeface="微軟正黑體" pitchFamily="34" charset="-120"/>
+              </a:rPr>
+              <a:t>謝</a:t>
+            </a:r>
+            <a:r>
+              <a:rPr lang="zh-CN" altLang="en-US" sz="4000" b="1" dirty="0">
+                <a:solidFill>
+                  <a:srgbClr val="000066"/>
+                </a:solidFill>
+                <a:latin typeface="微軟正黑體" pitchFamily="34" charset="-120"/>
+                <a:ea typeface="微軟正黑體" pitchFamily="34" charset="-120"/>
+              </a:rPr>
+              <a:t>謝</a:t>
+            </a:r>
+            <a:r>
+              <a:rPr lang="zh-CN" altLang="en-US" sz="4000" b="1" dirty="0">
+                <a:solidFill>
+                  <a:srgbClr val="000066"/>
+                </a:solidFill>
+                <a:latin typeface="微軟正黑體" pitchFamily="34" charset="-120"/>
+                <a:ea typeface="微軟正黑體" pitchFamily="34" charset="-120"/>
+              </a:rPr>
+              <a:t>祢</a:t>
+            </a:r>
+            <a:endParaRPr lang="zh-TW" altLang="en-US" sz="4000" b="1" dirty="0">
               <a:solidFill>
                 <a:srgbClr val="000066"/>
               </a:solidFill>
@@ -3365,8 +3458,8 @@
         </p:nvSpPr>
         <p:spPr>
           <a:xfrm>
-            <a:off x="0" y="1600200"/>
-            <a:ext cx="9144000" cy="4525963"/>
+            <a:off x="0" y="1200151"/>
+            <a:ext cx="9144000" cy="3394472"/>
           </a:xfrm>
         </p:spPr>
         <p:txBody>
@@ -3379,16 +3472,56 @@
               <a:buNone/>
             </a:pPr>
             <a:r>
-              <a:rPr lang="zh-TW" altLang="en-US" sz="5400" b="1" dirty="0">
-                <a:solidFill>
-                  <a:srgbClr val="000066"/>
-                </a:solidFill>
-                <a:latin typeface="微軟正黑體" pitchFamily="34" charset="-120"/>
-                <a:ea typeface="微軟正黑體" pitchFamily="34" charset="-120"/>
-              </a:rPr>
-              <a:t>謝謝你洗淨我的罪</a:t>
-            </a:r>
-            <a:endParaRPr lang="en-US" altLang="zh-TW" sz="5400" b="1" dirty="0">
+              <a:rPr lang="zh-TW" altLang="en-US" sz="4800" b="1" dirty="0">
+                <a:solidFill>
+                  <a:srgbClr val="000066"/>
+                </a:solidFill>
+                <a:latin typeface="微軟正黑體" pitchFamily="34" charset="-120"/>
+                <a:ea typeface="微軟正黑體" pitchFamily="34" charset="-120"/>
+              </a:rPr>
+              <a:t>謝</a:t>
+            </a:r>
+            <a:r>
+              <a:rPr lang="zh-TW" altLang="en-US" sz="4800" b="1" dirty="0" smtClean="0">
+                <a:solidFill>
+                  <a:srgbClr val="000066"/>
+                </a:solidFill>
+                <a:latin typeface="微軟正黑體" pitchFamily="34" charset="-120"/>
+                <a:ea typeface="微軟正黑體" pitchFamily="34" charset="-120"/>
+              </a:rPr>
+              <a:t>謝</a:t>
+            </a:r>
+            <a:r>
+              <a:rPr lang="zh-CN" altLang="en-US" sz="4800" b="1" dirty="0">
+                <a:solidFill>
+                  <a:srgbClr val="000066"/>
+                </a:solidFill>
+                <a:latin typeface="微軟正黑體" pitchFamily="34" charset="-120"/>
+                <a:ea typeface="微軟正黑體" pitchFamily="34" charset="-120"/>
+              </a:rPr>
+              <a:t>祢</a:t>
+            </a:r>
+            <a:r>
+              <a:rPr lang="zh-TW" altLang="en-US" sz="4800" b="1" dirty="0">
+                <a:solidFill>
+                  <a:srgbClr val="000066"/>
+                </a:solidFill>
+                <a:latin typeface="微軟正黑體" pitchFamily="34" charset="-120"/>
+                <a:ea typeface="微軟正黑體" pitchFamily="34" charset="-120"/>
+              </a:rPr>
+              <a:t>洗</a:t>
+            </a:r>
+            <a:r>
+              <a:rPr lang="zh-TW" altLang="en-US" sz="4800" b="1" dirty="0">
+                <a:solidFill>
+                  <a:srgbClr val="000066"/>
+                </a:solidFill>
+                <a:latin typeface="微軟正黑體" pitchFamily="34" charset="-120"/>
+                <a:ea typeface="微軟正黑體" pitchFamily="34" charset="-120"/>
+              </a:rPr>
+              <a:t>淨我的罪</a:t>
+            </a:r>
+            <a:endParaRPr lang="en-US" altLang="zh-TW" sz="4800" b="1" dirty="0">
               <a:solidFill>
                 <a:srgbClr val="000066"/>
               </a:solidFill>
@@ -3401,16 +3534,56 @@
               <a:buNone/>
             </a:pPr>
             <a:r>
-              <a:rPr lang="zh-TW" altLang="en-US" sz="5400" b="1" dirty="0">
-                <a:solidFill>
-                  <a:srgbClr val="000066"/>
-                </a:solidFill>
-                <a:latin typeface="微軟正黑體" pitchFamily="34" charset="-120"/>
-                <a:ea typeface="微軟正黑體" pitchFamily="34" charset="-120"/>
-              </a:rPr>
-              <a:t>謝謝你醫治我傷悲</a:t>
-            </a:r>
-            <a:endParaRPr lang="en-US" altLang="zh-TW" sz="5400" b="1" dirty="0">
+              <a:rPr lang="zh-TW" altLang="en-US" sz="4800" b="1" dirty="0">
+                <a:solidFill>
+                  <a:srgbClr val="000066"/>
+                </a:solidFill>
+                <a:latin typeface="微軟正黑體" pitchFamily="34" charset="-120"/>
+                <a:ea typeface="微軟正黑體" pitchFamily="34" charset="-120"/>
+              </a:rPr>
+              <a:t>謝</a:t>
+            </a:r>
+            <a:r>
+              <a:rPr lang="zh-TW" altLang="en-US" sz="4800" b="1" dirty="0">
+                <a:solidFill>
+                  <a:srgbClr val="000066"/>
+                </a:solidFill>
+                <a:latin typeface="微軟正黑體" pitchFamily="34" charset="-120"/>
+                <a:ea typeface="微軟正黑體" pitchFamily="34" charset="-120"/>
+              </a:rPr>
+              <a:t>謝</a:t>
+            </a:r>
+            <a:r>
+              <a:rPr lang="zh-CN" altLang="en-US" sz="4800" b="1" dirty="0">
+                <a:solidFill>
+                  <a:srgbClr val="000066"/>
+                </a:solidFill>
+                <a:latin typeface="微軟正黑體" pitchFamily="34" charset="-120"/>
+                <a:ea typeface="微軟正黑體" pitchFamily="34" charset="-120"/>
+              </a:rPr>
+              <a:t>祢</a:t>
+            </a:r>
+            <a:r>
+              <a:rPr lang="zh-TW" altLang="en-US" sz="4800" b="1" dirty="0">
+                <a:solidFill>
+                  <a:srgbClr val="000066"/>
+                </a:solidFill>
+                <a:latin typeface="微軟正黑體" pitchFamily="34" charset="-120"/>
+                <a:ea typeface="微軟正黑體" pitchFamily="34" charset="-120"/>
+              </a:rPr>
+              <a:t>醫</a:t>
+            </a:r>
+            <a:r>
+              <a:rPr lang="zh-TW" altLang="en-US" sz="4800" b="1" dirty="0">
+                <a:solidFill>
+                  <a:srgbClr val="000066"/>
+                </a:solidFill>
+                <a:latin typeface="微軟正黑體" pitchFamily="34" charset="-120"/>
+                <a:ea typeface="微軟正黑體" pitchFamily="34" charset="-120"/>
+              </a:rPr>
+              <a:t>治我傷悲</a:t>
+            </a:r>
+            <a:endParaRPr lang="en-US" altLang="zh-TW" sz="4800" b="1" dirty="0">
               <a:solidFill>
                 <a:srgbClr val="000066"/>
               </a:solidFill>
@@ -3423,16 +3596,66 @@
               <a:buNone/>
             </a:pPr>
             <a:r>
-              <a:rPr lang="zh-TW" altLang="en-US" sz="5400" b="1" dirty="0">
-                <a:solidFill>
-                  <a:srgbClr val="000066"/>
-                </a:solidFill>
-                <a:latin typeface="微軟正黑體" pitchFamily="34" charset="-120"/>
-                <a:ea typeface="微軟正黑體" pitchFamily="34" charset="-120"/>
-              </a:rPr>
-              <a:t>謝謝你擦乾我的眼淚</a:t>
-            </a:r>
-            <a:endParaRPr lang="en-US" altLang="zh-TW" sz="5400" b="1" dirty="0">
+              <a:rPr lang="zh-TW" altLang="en-US" sz="4800" b="1" dirty="0">
+                <a:solidFill>
+                  <a:srgbClr val="000066"/>
+                </a:solidFill>
+                <a:latin typeface="微軟正黑體" pitchFamily="34" charset="-120"/>
+                <a:ea typeface="微軟正黑體" pitchFamily="34" charset="-120"/>
+              </a:rPr>
+              <a:t>謝</a:t>
+            </a:r>
+            <a:r>
+              <a:rPr lang="zh-TW" altLang="en-US" sz="4800" b="1" dirty="0">
+                <a:solidFill>
+                  <a:srgbClr val="000066"/>
+                </a:solidFill>
+                <a:latin typeface="微軟正黑體" pitchFamily="34" charset="-120"/>
+                <a:ea typeface="微軟正黑體" pitchFamily="34" charset="-120"/>
+              </a:rPr>
+              <a:t>謝</a:t>
+            </a:r>
+            <a:r>
+              <a:rPr lang="zh-CN" altLang="en-US" sz="4800" b="1" dirty="0">
+                <a:solidFill>
+                  <a:srgbClr val="000066"/>
+                </a:solidFill>
+                <a:latin typeface="微軟正黑體" pitchFamily="34" charset="-120"/>
+                <a:ea typeface="微軟正黑體" pitchFamily="34" charset="-120"/>
+              </a:rPr>
+              <a:t>祢</a:t>
+            </a:r>
+            <a:r>
+              <a:rPr lang="zh-TW" altLang="en-US" sz="4800" b="1" dirty="0">
+                <a:solidFill>
+                  <a:srgbClr val="000066"/>
+                </a:solidFill>
+                <a:latin typeface="微軟正黑體" pitchFamily="34" charset="-120"/>
+                <a:ea typeface="微軟正黑體" pitchFamily="34" charset="-120"/>
+              </a:rPr>
+              <a:t>擦</a:t>
+            </a:r>
+            <a:r>
+              <a:rPr lang="zh-TW" altLang="en-US" sz="4800" b="1" dirty="0">
+                <a:solidFill>
+                  <a:srgbClr val="000066"/>
+                </a:solidFill>
+                <a:latin typeface="微軟正黑體" pitchFamily="34" charset="-120"/>
+                <a:ea typeface="微軟正黑體" pitchFamily="34" charset="-120"/>
+              </a:rPr>
+              <a:t>乾我的眼</a:t>
+            </a:r>
+            <a:r>
+              <a:rPr lang="zh-TW" altLang="en-US" sz="4800" b="1" dirty="0">
+                <a:solidFill>
+                  <a:srgbClr val="000066"/>
+                </a:solidFill>
+                <a:latin typeface="微軟正黑體" pitchFamily="34" charset="-120"/>
+                <a:ea typeface="微軟正黑體" pitchFamily="34" charset="-120"/>
+              </a:rPr>
+              <a:t>淚</a:t>
+            </a:r>
+            <a:endParaRPr lang="en-US" altLang="zh-TW" sz="4800" b="1" dirty="0">
               <a:solidFill>
                 <a:srgbClr val="000066"/>
               </a:solidFill>
@@ -3445,7 +3668,7 @@
               <a:buNone/>
             </a:pPr>
             <a:r>
-              <a:rPr lang="zh-TW" altLang="en-US" sz="5400" b="1" dirty="0">
+              <a:rPr lang="zh-TW" altLang="en-US" sz="4800" b="1" dirty="0">
                 <a:solidFill>
                   <a:srgbClr val="000066"/>
                 </a:solidFill>
@@ -3494,20 +3717,42 @@
         </p:nvSpPr>
         <p:spPr/>
         <p:txBody>
-          <a:bodyPr/>
-          <a:lstStyle/>
-          <a:p>
-            <a:r>
-              <a:rPr lang="zh-CN" altLang="en-US" b="1" dirty="0" smtClean="0">
-                <a:solidFill>
-                  <a:srgbClr val="000066"/>
-                </a:solidFill>
-                <a:latin typeface="微軟正黑體" pitchFamily="34" charset="-120"/>
-                <a:ea typeface="微軟正黑體" pitchFamily="34" charset="-120"/>
-              </a:rPr>
-              <a:t>謝謝你</a:t>
-            </a:r>
-            <a:endParaRPr lang="zh-TW" altLang="en-US" b="1" dirty="0">
+          <a:bodyPr>
+            <a:normAutofit/>
+          </a:bodyPr>
+          <a:lstStyle/>
+          <a:p>
+            <a:r>
+              <a:rPr lang="zh-CN" altLang="en-US" sz="4000" b="1" dirty="0">
+                <a:solidFill>
+                  <a:srgbClr val="000066"/>
+                </a:solidFill>
+                <a:latin typeface="微軟正黑體" pitchFamily="34" charset="-120"/>
+                <a:ea typeface="微軟正黑體" pitchFamily="34" charset="-120"/>
+              </a:rPr>
+              <a:t>謝</a:t>
+            </a:r>
+            <a:r>
+              <a:rPr lang="zh-CN" altLang="en-US" sz="4000" b="1" dirty="0">
+                <a:solidFill>
+                  <a:srgbClr val="000066"/>
+                </a:solidFill>
+                <a:latin typeface="微軟正黑體" pitchFamily="34" charset="-120"/>
+                <a:ea typeface="微軟正黑體" pitchFamily="34" charset="-120"/>
+              </a:rPr>
+              <a:t>謝</a:t>
+            </a:r>
+            <a:r>
+              <a:rPr lang="zh-CN" altLang="en-US" sz="4000" b="1" dirty="0">
+                <a:solidFill>
+                  <a:srgbClr val="000066"/>
+                </a:solidFill>
+                <a:latin typeface="微軟正黑體" pitchFamily="34" charset="-120"/>
+                <a:ea typeface="微軟正黑體" pitchFamily="34" charset="-120"/>
+              </a:rPr>
+              <a:t>祢</a:t>
+            </a:r>
+            <a:endParaRPr lang="zh-TW" altLang="en-US" sz="4000" b="1" dirty="0">
               <a:solidFill>
                 <a:srgbClr val="000066"/>
               </a:solidFill>
@@ -3529,8 +3774,8 @@
         </p:nvSpPr>
         <p:spPr>
           <a:xfrm>
-            <a:off x="0" y="1600200"/>
-            <a:ext cx="9144000" cy="4525963"/>
+            <a:off x="0" y="1200151"/>
+            <a:ext cx="9144000" cy="3394472"/>
           </a:xfrm>
         </p:spPr>
         <p:txBody>
@@ -3543,16 +3788,56 @@
               <a:buNone/>
             </a:pPr>
             <a:r>
-              <a:rPr lang="zh-TW" altLang="en-US" sz="5400" b="1" dirty="0">
-                <a:solidFill>
-                  <a:srgbClr val="000066"/>
-                </a:solidFill>
-                <a:latin typeface="微軟正黑體" pitchFamily="34" charset="-120"/>
-                <a:ea typeface="微軟正黑體" pitchFamily="34" charset="-120"/>
-              </a:rPr>
-              <a:t>謝謝你洗淨我的罪</a:t>
-            </a:r>
-            <a:endParaRPr lang="en-US" altLang="zh-TW" sz="5400" b="1" dirty="0">
+              <a:rPr lang="zh-TW" altLang="en-US" sz="4800" b="1" dirty="0">
+                <a:solidFill>
+                  <a:srgbClr val="000066"/>
+                </a:solidFill>
+                <a:latin typeface="微軟正黑體" pitchFamily="34" charset="-120"/>
+                <a:ea typeface="微軟正黑體" pitchFamily="34" charset="-120"/>
+              </a:rPr>
+              <a:t>謝</a:t>
+            </a:r>
+            <a:r>
+              <a:rPr lang="zh-TW" altLang="en-US" sz="4800" b="1" dirty="0">
+                <a:solidFill>
+                  <a:srgbClr val="000066"/>
+                </a:solidFill>
+                <a:latin typeface="微軟正黑體" pitchFamily="34" charset="-120"/>
+                <a:ea typeface="微軟正黑體" pitchFamily="34" charset="-120"/>
+              </a:rPr>
+              <a:t>謝</a:t>
+            </a:r>
+            <a:r>
+              <a:rPr lang="zh-CN" altLang="en-US" sz="4800" b="1" dirty="0">
+                <a:solidFill>
+                  <a:srgbClr val="000066"/>
+                </a:solidFill>
+                <a:latin typeface="微軟正黑體" pitchFamily="34" charset="-120"/>
+                <a:ea typeface="微軟正黑體" pitchFamily="34" charset="-120"/>
+              </a:rPr>
+              <a:t>祢</a:t>
+            </a:r>
+            <a:r>
+              <a:rPr lang="zh-TW" altLang="en-US" sz="4800" b="1" dirty="0">
+                <a:solidFill>
+                  <a:srgbClr val="000066"/>
+                </a:solidFill>
+                <a:latin typeface="微軟正黑體" pitchFamily="34" charset="-120"/>
+                <a:ea typeface="微軟正黑體" pitchFamily="34" charset="-120"/>
+              </a:rPr>
+              <a:t>洗</a:t>
+            </a:r>
+            <a:r>
+              <a:rPr lang="zh-TW" altLang="en-US" sz="4800" b="1" dirty="0">
+                <a:solidFill>
+                  <a:srgbClr val="000066"/>
+                </a:solidFill>
+                <a:latin typeface="微軟正黑體" pitchFamily="34" charset="-120"/>
+                <a:ea typeface="微軟正黑體" pitchFamily="34" charset="-120"/>
+              </a:rPr>
+              <a:t>淨我的罪</a:t>
+            </a:r>
+            <a:endParaRPr lang="en-US" altLang="zh-TW" sz="4800" b="1" dirty="0">
               <a:solidFill>
                 <a:srgbClr val="000066"/>
               </a:solidFill>
@@ -3565,16 +3850,56 @@
               <a:buNone/>
             </a:pPr>
             <a:r>
-              <a:rPr lang="zh-TW" altLang="en-US" sz="5400" b="1" dirty="0">
-                <a:solidFill>
-                  <a:srgbClr val="000066"/>
-                </a:solidFill>
-                <a:latin typeface="微軟正黑體" pitchFamily="34" charset="-120"/>
-                <a:ea typeface="微軟正黑體" pitchFamily="34" charset="-120"/>
-              </a:rPr>
-              <a:t>謝謝你醫治我傷悲</a:t>
-            </a:r>
-            <a:endParaRPr lang="en-US" altLang="zh-TW" sz="5400" b="1" dirty="0">
+              <a:rPr lang="zh-TW" altLang="en-US" sz="4800" b="1" dirty="0">
+                <a:solidFill>
+                  <a:srgbClr val="000066"/>
+                </a:solidFill>
+                <a:latin typeface="微軟正黑體" pitchFamily="34" charset="-120"/>
+                <a:ea typeface="微軟正黑體" pitchFamily="34" charset="-120"/>
+              </a:rPr>
+              <a:t>謝</a:t>
+            </a:r>
+            <a:r>
+              <a:rPr lang="zh-TW" altLang="en-US" sz="4800" b="1" dirty="0">
+                <a:solidFill>
+                  <a:srgbClr val="000066"/>
+                </a:solidFill>
+                <a:latin typeface="微軟正黑體" pitchFamily="34" charset="-120"/>
+                <a:ea typeface="微軟正黑體" pitchFamily="34" charset="-120"/>
+              </a:rPr>
+              <a:t>謝</a:t>
+            </a:r>
+            <a:r>
+              <a:rPr lang="zh-CN" altLang="en-US" sz="4800" b="1" dirty="0">
+                <a:solidFill>
+                  <a:srgbClr val="000066"/>
+                </a:solidFill>
+                <a:latin typeface="微軟正黑體" pitchFamily="34" charset="-120"/>
+                <a:ea typeface="微軟正黑體" pitchFamily="34" charset="-120"/>
+              </a:rPr>
+              <a:t>祢</a:t>
+            </a:r>
+            <a:r>
+              <a:rPr lang="zh-TW" altLang="en-US" sz="4800" b="1" dirty="0">
+                <a:solidFill>
+                  <a:srgbClr val="000066"/>
+                </a:solidFill>
+                <a:latin typeface="微軟正黑體" pitchFamily="34" charset="-120"/>
+                <a:ea typeface="微軟正黑體" pitchFamily="34" charset="-120"/>
+              </a:rPr>
+              <a:t>醫</a:t>
+            </a:r>
+            <a:r>
+              <a:rPr lang="zh-TW" altLang="en-US" sz="4800" b="1" dirty="0">
+                <a:solidFill>
+                  <a:srgbClr val="000066"/>
+                </a:solidFill>
+                <a:latin typeface="微軟正黑體" pitchFamily="34" charset="-120"/>
+                <a:ea typeface="微軟正黑體" pitchFamily="34" charset="-120"/>
+              </a:rPr>
+              <a:t>治我傷悲</a:t>
+            </a:r>
+            <a:endParaRPr lang="en-US" altLang="zh-TW" sz="4800" b="1" dirty="0">
               <a:solidFill>
                 <a:srgbClr val="000066"/>
               </a:solidFill>
@@ -3587,16 +3912,56 @@
               <a:buNone/>
             </a:pPr>
             <a:r>
-              <a:rPr lang="zh-TW" altLang="en-US" sz="5400" b="1" dirty="0">
-                <a:solidFill>
-                  <a:srgbClr val="000066"/>
-                </a:solidFill>
-                <a:latin typeface="微軟正黑體" pitchFamily="34" charset="-120"/>
-                <a:ea typeface="微軟正黑體" pitchFamily="34" charset="-120"/>
-              </a:rPr>
-              <a:t>謝謝你用生命將我贖回</a:t>
-            </a:r>
-            <a:endParaRPr lang="en-US" altLang="zh-TW" sz="5400" b="1" dirty="0">
+              <a:rPr lang="zh-TW" altLang="en-US" sz="4800" b="1" dirty="0">
+                <a:solidFill>
+                  <a:srgbClr val="000066"/>
+                </a:solidFill>
+                <a:latin typeface="微軟正黑體" pitchFamily="34" charset="-120"/>
+                <a:ea typeface="微軟正黑體" pitchFamily="34" charset="-120"/>
+              </a:rPr>
+              <a:t>謝</a:t>
+            </a:r>
+            <a:r>
+              <a:rPr lang="zh-TW" altLang="en-US" sz="4800" b="1" dirty="0">
+                <a:solidFill>
+                  <a:srgbClr val="000066"/>
+                </a:solidFill>
+                <a:latin typeface="微軟正黑體" pitchFamily="34" charset="-120"/>
+                <a:ea typeface="微軟正黑體" pitchFamily="34" charset="-120"/>
+              </a:rPr>
+              <a:t>謝</a:t>
+            </a:r>
+            <a:r>
+              <a:rPr lang="zh-CN" altLang="en-US" sz="4800" b="1" dirty="0">
+                <a:solidFill>
+                  <a:srgbClr val="000066"/>
+                </a:solidFill>
+                <a:latin typeface="微軟正黑體" pitchFamily="34" charset="-120"/>
+                <a:ea typeface="微軟正黑體" pitchFamily="34" charset="-120"/>
+              </a:rPr>
+              <a:t>祢</a:t>
+            </a:r>
+            <a:r>
+              <a:rPr lang="zh-TW" altLang="en-US" sz="4800" b="1" dirty="0">
+                <a:solidFill>
+                  <a:srgbClr val="000066"/>
+                </a:solidFill>
+                <a:latin typeface="微軟正黑體" pitchFamily="34" charset="-120"/>
+                <a:ea typeface="微軟正黑體" pitchFamily="34" charset="-120"/>
+              </a:rPr>
+              <a:t>用</a:t>
+            </a:r>
+            <a:r>
+              <a:rPr lang="zh-TW" altLang="en-US" sz="4800" b="1" dirty="0">
+                <a:solidFill>
+                  <a:srgbClr val="000066"/>
+                </a:solidFill>
+                <a:latin typeface="微軟正黑體" pitchFamily="34" charset="-120"/>
+                <a:ea typeface="微軟正黑體" pitchFamily="34" charset="-120"/>
+              </a:rPr>
+              <a:t>生命將我贖回</a:t>
+            </a:r>
+            <a:endParaRPr lang="en-US" altLang="zh-TW" sz="4800" b="1" dirty="0">
               <a:solidFill>
                 <a:srgbClr val="000066"/>
               </a:solidFill>
@@ -3609,7 +3974,7 @@
               <a:buNone/>
             </a:pPr>
             <a:r>
-              <a:rPr lang="zh-TW" altLang="en-US" sz="5400" b="1" dirty="0">
+              <a:rPr lang="zh-TW" altLang="en-US" sz="4800" b="1" dirty="0">
                 <a:solidFill>
                   <a:srgbClr val="000066"/>
                 </a:solidFill>
@@ -3630,7 +3995,7 @@
 </file>
 
 <file path=ppt/theme/theme1.xml><?xml version="1.0" encoding="utf-8"?>
-<a:theme xmlns:a="http://schemas.openxmlformats.org/drawingml/2006/main" name="Office 佈景主題">
+<a:theme xmlns:a="http://schemas.openxmlformats.org/drawingml/2006/main" name="chongbai">
   <a:themeElements>
     <a:clrScheme name="Office">
       <a:dk1>

--- a/謝謝你(崇拜版).pptx
+++ b/謝謝你(崇拜版).pptx
@@ -8,6 +8,10 @@
     <p:sldId id="256" r:id="rId2"/>
     <p:sldId id="257" r:id="rId3"/>
     <p:sldId id="258" r:id="rId4"/>
+    <p:sldId id="259" r:id="rId5"/>
+    <p:sldId id="260" r:id="rId6"/>
+    <p:sldId id="261" r:id="rId7"/>
+    <p:sldId id="262" r:id="rId8"/>
   </p:sldIdLst>
   <p:sldSz cx="9144000" cy="5143500" type="screen16x9"/>
   <p:notesSz cx="6858000" cy="9144000"/>
@@ -106,6 +110,22 @@
       </a:defRPr>
     </a:lvl9pPr>
   </p:defaultTextStyle>
+  <p:extLst>
+    <p:ext uri="{EFAFB233-063F-42B5-8137-9DF3F51BA10A}">
+      <p15:sldGuideLst xmlns:p15="http://schemas.microsoft.com/office/powerpoint/2012/main">
+        <p15:guide id="1" orient="horz" pos="1620">
+          <p15:clr>
+            <a:srgbClr val="A4A3A4"/>
+          </p15:clr>
+        </p15:guide>
+        <p15:guide id="2" pos="2880">
+          <p15:clr>
+            <a:srgbClr val="A4A3A4"/>
+          </p15:clr>
+        </p15:guide>
+      </p15:sldGuideLst>
+    </p:ext>
+  </p:extLst>
 </p:presentation>
 </file>
 
@@ -290,7 +310,7 @@
           <a:p>
             <a:fld id="{515656C6-E7D2-458B-8896-20BCCA86C4C9}" type="datetimeFigureOut">
               <a:rPr lang="zh-TW" altLang="en-US" smtClean="0"/>
-              <a:t>2019/10/5</a:t>
+              <a:t>2020/11/7</a:t>
             </a:fld>
             <a:endParaRPr lang="zh-TW" altLang="en-US"/>
           </a:p>
@@ -455,7 +475,7 @@
           <a:p>
             <a:fld id="{515656C6-E7D2-458B-8896-20BCCA86C4C9}" type="datetimeFigureOut">
               <a:rPr lang="zh-TW" altLang="en-US" smtClean="0"/>
-              <a:t>2019/10/5</a:t>
+              <a:t>2020/11/7</a:t>
             </a:fld>
             <a:endParaRPr lang="zh-TW" altLang="en-US"/>
           </a:p>
@@ -630,7 +650,7 @@
           <a:p>
             <a:fld id="{515656C6-E7D2-458B-8896-20BCCA86C4C9}" type="datetimeFigureOut">
               <a:rPr lang="zh-TW" altLang="en-US" smtClean="0"/>
-              <a:t>2019/10/5</a:t>
+              <a:t>2020/11/7</a:t>
             </a:fld>
             <a:endParaRPr lang="zh-TW" altLang="en-US"/>
           </a:p>
@@ -795,7 +815,7 @@
           <a:p>
             <a:fld id="{515656C6-E7D2-458B-8896-20BCCA86C4C9}" type="datetimeFigureOut">
               <a:rPr lang="zh-TW" altLang="en-US" smtClean="0"/>
-              <a:t>2019/10/5</a:t>
+              <a:t>2020/11/7</a:t>
             </a:fld>
             <a:endParaRPr lang="zh-TW" altLang="en-US"/>
           </a:p>
@@ -1036,7 +1056,7 @@
           <a:p>
             <a:fld id="{515656C6-E7D2-458B-8896-20BCCA86C4C9}" type="datetimeFigureOut">
               <a:rPr lang="zh-TW" altLang="en-US" smtClean="0"/>
-              <a:t>2019/10/5</a:t>
+              <a:t>2020/11/7</a:t>
             </a:fld>
             <a:endParaRPr lang="zh-TW" altLang="en-US"/>
           </a:p>
@@ -1319,7 +1339,7 @@
           <a:p>
             <a:fld id="{515656C6-E7D2-458B-8896-20BCCA86C4C9}" type="datetimeFigureOut">
               <a:rPr lang="zh-TW" altLang="en-US" smtClean="0"/>
-              <a:t>2019/10/5</a:t>
+              <a:t>2020/11/7</a:t>
             </a:fld>
             <a:endParaRPr lang="zh-TW" altLang="en-US"/>
           </a:p>
@@ -1736,7 +1756,7 @@
           <a:p>
             <a:fld id="{515656C6-E7D2-458B-8896-20BCCA86C4C9}" type="datetimeFigureOut">
               <a:rPr lang="zh-TW" altLang="en-US" smtClean="0"/>
-              <a:t>2019/10/5</a:t>
+              <a:t>2020/11/7</a:t>
             </a:fld>
             <a:endParaRPr lang="zh-TW" altLang="en-US"/>
           </a:p>
@@ -1849,7 +1869,7 @@
           <a:p>
             <a:fld id="{515656C6-E7D2-458B-8896-20BCCA86C4C9}" type="datetimeFigureOut">
               <a:rPr lang="zh-TW" altLang="en-US" smtClean="0"/>
-              <a:t>2019/10/5</a:t>
+              <a:t>2020/11/7</a:t>
             </a:fld>
             <a:endParaRPr lang="zh-TW" altLang="en-US"/>
           </a:p>
@@ -1939,7 +1959,7 @@
           <a:p>
             <a:fld id="{515656C6-E7D2-458B-8896-20BCCA86C4C9}" type="datetimeFigureOut">
               <a:rPr lang="zh-TW" altLang="en-US" smtClean="0"/>
-              <a:t>2019/10/5</a:t>
+              <a:t>2020/11/7</a:t>
             </a:fld>
             <a:endParaRPr lang="zh-TW" altLang="en-US"/>
           </a:p>
@@ -2211,7 +2231,7 @@
           <a:p>
             <a:fld id="{515656C6-E7D2-458B-8896-20BCCA86C4C9}" type="datetimeFigureOut">
               <a:rPr lang="zh-TW" altLang="en-US" smtClean="0"/>
-              <a:t>2019/10/5</a:t>
+              <a:t>2020/11/7</a:t>
             </a:fld>
             <a:endParaRPr lang="zh-TW" altLang="en-US"/>
           </a:p>
@@ -2463,7 +2483,7 @@
           <a:p>
             <a:fld id="{515656C6-E7D2-458B-8896-20BCCA86C4C9}" type="datetimeFigureOut">
               <a:rPr lang="zh-TW" altLang="en-US" smtClean="0"/>
-              <a:t>2019/10/5</a:t>
+              <a:t>2020/11/7</a:t>
             </a:fld>
             <a:endParaRPr lang="zh-TW" altLang="en-US"/>
           </a:p>
@@ -2676,7 +2696,7 @@
           <a:p>
             <a:fld id="{515656C6-E7D2-458B-8896-20BCCA86C4C9}" type="datetimeFigureOut">
               <a:rPr lang="zh-TW" altLang="en-US" smtClean="0"/>
-              <a:t>2019/10/5</a:t>
+              <a:t>2020/11/7</a:t>
             </a:fld>
             <a:endParaRPr lang="zh-TW" altLang="en-US"/>
           </a:p>
@@ -3056,315 +3076,75 @@
             <p:ph type="title"/>
           </p:nvPr>
         </p:nvSpPr>
-        <p:spPr/>
+        <p:spPr>
+          <a:xfrm>
+            <a:off x="0" y="2143135"/>
+            <a:ext cx="9144000" cy="857250"/>
+          </a:xfrm>
+        </p:spPr>
         <p:txBody>
           <a:bodyPr>
-            <a:normAutofit/>
+            <a:noAutofit/>
           </a:bodyPr>
           <a:lstStyle/>
           <a:p>
             <a:r>
-              <a:rPr lang="zh-CN" altLang="en-US" sz="4000" b="1" dirty="0" smtClean="0">
+              <a:rPr lang="zh-CN" altLang="en-US" sz="5400" b="1" i="1" dirty="0" smtClean="0">
                 <a:solidFill>
                   <a:srgbClr val="000066"/>
                 </a:solidFill>
+                <a:effectLst>
+                  <a:outerShdw blurRad="38100" dist="38100" dir="2700000" algn="tl">
+                    <a:srgbClr val="000000">
+                      <a:alpha val="43137"/>
+                    </a:srgbClr>
+                  </a:outerShdw>
+                </a:effectLst>
                 <a:latin typeface="微軟正黑體" pitchFamily="34" charset="-120"/>
                 <a:ea typeface="微軟正黑體" pitchFamily="34" charset="-120"/>
               </a:rPr>
               <a:t>謝</a:t>
             </a:r>
             <a:r>
-              <a:rPr lang="zh-CN" altLang="en-US" sz="4000" b="1" dirty="0" smtClean="0">
+              <a:rPr lang="zh-CN" altLang="en-US" sz="5400" b="1" i="1" dirty="0">
                 <a:solidFill>
                   <a:srgbClr val="000066"/>
                 </a:solidFill>
+                <a:effectLst>
+                  <a:outerShdw blurRad="38100" dist="38100" dir="2700000" algn="tl">
+                    <a:srgbClr val="000000">
+                      <a:alpha val="43137"/>
+                    </a:srgbClr>
+                  </a:outerShdw>
+                </a:effectLst>
                 <a:latin typeface="微軟正黑體" pitchFamily="34" charset="-120"/>
                 <a:ea typeface="微軟正黑體" pitchFamily="34" charset="-120"/>
               </a:rPr>
-              <a:t>謝</a:t>
-            </a:r>
-            <a:r>
-              <a:rPr lang="zh-CN" altLang="en-US" sz="4000" b="1" dirty="0">
-                <a:solidFill>
-                  <a:srgbClr val="000066"/>
-                </a:solidFill>
-                <a:latin typeface="微軟正黑體" pitchFamily="34" charset="-120"/>
-                <a:ea typeface="微軟正黑體" pitchFamily="34" charset="-120"/>
-              </a:rPr>
-              <a:t>祢</a:t>
-            </a:r>
-            <a:endParaRPr lang="zh-TW" altLang="en-US" sz="4000" b="1" dirty="0">
+              <a:t>謝祢</a:t>
+            </a:r>
+            <a:endParaRPr lang="zh-TW" altLang="en-US" sz="5400" b="1" i="1" dirty="0">
               <a:solidFill>
                 <a:srgbClr val="000066"/>
               </a:solidFill>
+              <a:effectLst>
+                <a:outerShdw blurRad="38100" dist="38100" dir="2700000" algn="tl">
+                  <a:srgbClr val="000000">
+                    <a:alpha val="43137"/>
+                  </a:srgbClr>
+                </a:outerShdw>
+              </a:effectLst>
               <a:latin typeface="微軟正黑體" pitchFamily="34" charset="-120"/>
               <a:ea typeface="微軟正黑體" pitchFamily="34" charset="-120"/>
             </a:endParaRPr>
           </a:p>
         </p:txBody>
       </p:sp>
-      <p:sp>
-        <p:nvSpPr>
-          <p:cNvPr id="5" name="內容版面配置區 4"/>
-          <p:cNvSpPr>
-            <a:spLocks noGrp="1"/>
-          </p:cNvSpPr>
-          <p:nvPr>
-            <p:ph idx="1"/>
-          </p:nvPr>
-        </p:nvSpPr>
-        <p:spPr>
-          <a:xfrm>
-            <a:off x="0" y="1200151"/>
-            <a:ext cx="9144000" cy="3394472"/>
-          </a:xfrm>
-        </p:spPr>
-        <p:txBody>
-          <a:bodyPr>
-            <a:noAutofit/>
-          </a:bodyPr>
-          <a:lstStyle/>
-          <a:p>
-            <a:pPr algn="ctr">
-              <a:buNone/>
-            </a:pPr>
-            <a:r>
-              <a:rPr lang="zh-TW" altLang="en-US" sz="4800" b="1" dirty="0">
-                <a:solidFill>
-                  <a:srgbClr val="000066"/>
-                </a:solidFill>
-                <a:latin typeface="微軟正黑體" pitchFamily="34" charset="-120"/>
-                <a:ea typeface="微軟正黑體" pitchFamily="34" charset="-120"/>
-              </a:rPr>
-              <a:t>我能用什麼報</a:t>
-            </a:r>
-            <a:r>
-              <a:rPr lang="zh-TW" altLang="en-US" sz="4800" b="1" dirty="0" smtClean="0">
-                <a:solidFill>
-                  <a:srgbClr val="000066"/>
-                </a:solidFill>
-                <a:latin typeface="微軟正黑體" pitchFamily="34" charset="-120"/>
-                <a:ea typeface="微軟正黑體" pitchFamily="34" charset="-120"/>
-              </a:rPr>
-              <a:t>答</a:t>
-            </a:r>
-            <a:r>
-              <a:rPr lang="zh-CN" altLang="en-US" sz="4800" b="1" dirty="0">
-                <a:solidFill>
-                  <a:srgbClr val="000066"/>
-                </a:solidFill>
-                <a:latin typeface="微軟正黑體" pitchFamily="34" charset="-120"/>
-                <a:ea typeface="微軟正黑體" pitchFamily="34" charset="-120"/>
-              </a:rPr>
-              <a:t>祢</a:t>
-            </a:r>
-            <a:r>
-              <a:rPr lang="zh-TW" altLang="en-US" sz="4800" b="1" dirty="0">
-                <a:solidFill>
-                  <a:srgbClr val="000066"/>
-                </a:solidFill>
-                <a:latin typeface="微軟正黑體" pitchFamily="34" charset="-120"/>
-                <a:ea typeface="微軟正黑體" pitchFamily="34" charset="-120"/>
-              </a:rPr>
-              <a:t>恩典</a:t>
-            </a:r>
-            <a:endParaRPr lang="en-US" altLang="zh-TW" sz="4800" b="1" dirty="0">
-              <a:solidFill>
-                <a:srgbClr val="000066"/>
-              </a:solidFill>
-              <a:latin typeface="微軟正黑體" pitchFamily="34" charset="-120"/>
-              <a:ea typeface="微軟正黑體" pitchFamily="34" charset="-120"/>
-            </a:endParaRPr>
-          </a:p>
-          <a:p>
-            <a:pPr algn="ctr">
-              <a:buNone/>
-            </a:pPr>
-            <a:r>
-              <a:rPr lang="zh-TW" altLang="en-US" sz="4800" b="1" dirty="0">
-                <a:solidFill>
-                  <a:srgbClr val="000066"/>
-                </a:solidFill>
-                <a:latin typeface="微軟正黑體" pitchFamily="34" charset="-120"/>
-                <a:ea typeface="微軟正黑體" pitchFamily="34" charset="-120"/>
-              </a:rPr>
-              <a:t>世上</a:t>
-            </a:r>
-            <a:r>
-              <a:rPr lang="zh-TW" altLang="en-US" sz="4800" b="1" dirty="0">
-                <a:solidFill>
-                  <a:srgbClr val="000066"/>
-                </a:solidFill>
-                <a:latin typeface="微軟正黑體" pitchFamily="34" charset="-120"/>
-                <a:ea typeface="微軟正黑體" pitchFamily="34" charset="-120"/>
-              </a:rPr>
-              <a:t>的</a:t>
-            </a:r>
-            <a:r>
-              <a:rPr lang="zh-TW" altLang="en-US" sz="4800" b="1" dirty="0">
-                <a:solidFill>
-                  <a:srgbClr val="000066"/>
-                </a:solidFill>
-                <a:latin typeface="微軟正黑體" pitchFamily="34" charset="-120"/>
-                <a:ea typeface="微軟正黑體" pitchFamily="34" charset="-120"/>
-              </a:rPr>
-              <a:t>一切  無法</a:t>
-            </a:r>
-            <a:r>
-              <a:rPr lang="zh-TW" altLang="en-US" sz="4800" b="1" dirty="0">
-                <a:solidFill>
-                  <a:srgbClr val="000066"/>
-                </a:solidFill>
-                <a:latin typeface="微軟正黑體" pitchFamily="34" charset="-120"/>
-                <a:ea typeface="微軟正黑體" pitchFamily="34" charset="-120"/>
-              </a:rPr>
-              <a:t>換</a:t>
-            </a:r>
-            <a:r>
-              <a:rPr lang="zh-TW" altLang="en-US" sz="4800" b="1" dirty="0">
-                <a:solidFill>
-                  <a:srgbClr val="000066"/>
-                </a:solidFill>
-                <a:latin typeface="微軟正黑體" pitchFamily="34" charset="-120"/>
-                <a:ea typeface="微軟正黑體" pitchFamily="34" charset="-120"/>
-              </a:rPr>
-              <a:t>取</a:t>
-            </a:r>
-            <a:r>
-              <a:rPr lang="zh-CN" altLang="en-US" sz="4800" b="1" dirty="0">
-                <a:solidFill>
-                  <a:srgbClr val="000066"/>
-                </a:solidFill>
-                <a:latin typeface="微軟正黑體" pitchFamily="34" charset="-120"/>
-                <a:ea typeface="微軟正黑體" pitchFamily="34" charset="-120"/>
-              </a:rPr>
-              <a:t>祢</a:t>
-            </a:r>
-            <a:r>
-              <a:rPr lang="zh-TW" altLang="en-US" sz="4800" b="1" dirty="0">
-                <a:solidFill>
-                  <a:srgbClr val="000066"/>
-                </a:solidFill>
-                <a:latin typeface="微軟正黑體" pitchFamily="34" charset="-120"/>
-                <a:ea typeface="微軟正黑體" pitchFamily="34" charset="-120"/>
-              </a:rPr>
-              <a:t>的愛</a:t>
-            </a:r>
-            <a:endParaRPr lang="en-US" altLang="zh-TW" sz="4800" b="1" dirty="0">
-              <a:solidFill>
-                <a:srgbClr val="000066"/>
-              </a:solidFill>
-              <a:latin typeface="微軟正黑體" pitchFamily="34" charset="-120"/>
-              <a:ea typeface="微軟正黑體" pitchFamily="34" charset="-120"/>
-            </a:endParaRPr>
-          </a:p>
-          <a:p>
-            <a:pPr algn="ctr">
-              <a:buNone/>
-            </a:pPr>
-            <a:r>
-              <a:rPr lang="zh-TW" altLang="en-US" sz="4800" b="1" dirty="0" smtClean="0">
-                <a:solidFill>
-                  <a:srgbClr val="000066"/>
-                </a:solidFill>
-                <a:latin typeface="微軟正黑體" pitchFamily="34" charset="-120"/>
-                <a:ea typeface="微軟正黑體" pitchFamily="34" charset="-120"/>
-              </a:rPr>
-              <a:t>白白</a:t>
-            </a:r>
-            <a:r>
-              <a:rPr lang="zh-TW" altLang="en-US" sz="4800" b="1" dirty="0">
-                <a:solidFill>
-                  <a:srgbClr val="000066"/>
-                </a:solidFill>
-                <a:latin typeface="微軟正黑體" pitchFamily="34" charset="-120"/>
-                <a:ea typeface="微軟正黑體" pitchFamily="34" charset="-120"/>
-              </a:rPr>
-              <a:t>地得</a:t>
-            </a:r>
-            <a:r>
-              <a:rPr lang="zh-TW" altLang="en-US" sz="4800" b="1" dirty="0" smtClean="0">
-                <a:solidFill>
-                  <a:srgbClr val="000066"/>
-                </a:solidFill>
-                <a:latin typeface="微軟正黑體" pitchFamily="34" charset="-120"/>
-                <a:ea typeface="微軟正黑體" pitchFamily="34" charset="-120"/>
-              </a:rPr>
-              <a:t>來  無</a:t>
-            </a:r>
-            <a:r>
-              <a:rPr lang="zh-TW" altLang="en-US" sz="4800" b="1" dirty="0">
-                <a:solidFill>
-                  <a:srgbClr val="000066"/>
-                </a:solidFill>
-                <a:latin typeface="微軟正黑體" pitchFamily="34" charset="-120"/>
-                <a:ea typeface="微軟正黑體" pitchFamily="34" charset="-120"/>
-              </a:rPr>
-              <a:t>止盡</a:t>
-            </a:r>
-            <a:r>
-              <a:rPr lang="zh-TW" altLang="en-US" sz="4800" b="1" dirty="0" smtClean="0">
-                <a:solidFill>
-                  <a:srgbClr val="000066"/>
-                </a:solidFill>
-                <a:latin typeface="微軟正黑體" pitchFamily="34" charset="-120"/>
-                <a:ea typeface="微軟正黑體" pitchFamily="34" charset="-120"/>
-              </a:rPr>
-              <a:t>赦免</a:t>
-            </a:r>
-            <a:endParaRPr lang="en-US" altLang="zh-TW" sz="4800" b="1" dirty="0" smtClean="0">
-              <a:solidFill>
-                <a:srgbClr val="000066"/>
-              </a:solidFill>
-              <a:latin typeface="微軟正黑體" pitchFamily="34" charset="-120"/>
-              <a:ea typeface="微軟正黑體" pitchFamily="34" charset="-120"/>
-            </a:endParaRPr>
-          </a:p>
-          <a:p>
-            <a:pPr algn="ctr">
-              <a:buNone/>
-            </a:pPr>
-            <a:r>
-              <a:rPr lang="zh-TW" altLang="en-US" sz="4800" b="1" dirty="0" smtClean="0">
-                <a:solidFill>
-                  <a:srgbClr val="000066"/>
-                </a:solidFill>
-                <a:latin typeface="微軟正黑體" pitchFamily="34" charset="-120"/>
-                <a:ea typeface="微軟正黑體" pitchFamily="34" charset="-120"/>
-              </a:rPr>
-              <a:t>盡</a:t>
-            </a:r>
-            <a:r>
-              <a:rPr lang="zh-TW" altLang="en-US" sz="4800" b="1" dirty="0">
-                <a:solidFill>
-                  <a:srgbClr val="000066"/>
-                </a:solidFill>
-                <a:latin typeface="微軟正黑體" pitchFamily="34" charset="-120"/>
-                <a:ea typeface="微軟正黑體" pitchFamily="34" charset="-120"/>
-              </a:rPr>
-              <a:t>在寶血和十</a:t>
-            </a:r>
-            <a:r>
-              <a:rPr lang="zh-TW" altLang="en-US" sz="4800" b="1" dirty="0" smtClean="0">
-                <a:solidFill>
-                  <a:srgbClr val="000066"/>
-                </a:solidFill>
-                <a:latin typeface="微軟正黑體" pitchFamily="34" charset="-120"/>
-                <a:ea typeface="微軟正黑體" pitchFamily="34" charset="-120"/>
-              </a:rPr>
-              <a:t>架</a:t>
-            </a:r>
-            <a:endParaRPr lang="zh-TW" altLang="en-US" sz="4800" b="1" dirty="0">
-              <a:solidFill>
-                <a:srgbClr val="000066"/>
-              </a:solidFill>
-              <a:latin typeface="微軟正黑體" pitchFamily="34" charset="-120"/>
-              <a:ea typeface="微軟正黑體" pitchFamily="34" charset="-120"/>
-            </a:endParaRPr>
-          </a:p>
-        </p:txBody>
-      </p:sp>
     </p:spTree>
+    <p:extLst>
+      <p:ext uri="{BB962C8B-B14F-4D97-AF65-F5344CB8AC3E}">
+        <p14:creationId xmlns:p14="http://schemas.microsoft.com/office/powerpoint/2010/main" val="1010133266"/>
+      </p:ext>
+    </p:extLst>
   </p:cSld>
   <p:clrMapOvr>
     <a:masterClrMapping/>
@@ -3391,43 +3171,41 @@
       </p:grpSpPr>
       <p:sp>
         <p:nvSpPr>
-          <p:cNvPr id="4" name="標題 3"/>
-          <p:cNvSpPr>
-            <a:spLocks noGrp="1"/>
-          </p:cNvSpPr>
-          <p:nvPr>
-            <p:ph type="title"/>
-          </p:nvPr>
-        </p:nvSpPr>
-        <p:spPr/>
-        <p:txBody>
-          <a:bodyPr>
+          <p:cNvPr id="5" name="內容版面配置區 4"/>
+          <p:cNvSpPr>
+            <a:spLocks noGrp="1"/>
+          </p:cNvSpPr>
+          <p:nvPr>
+            <p:ph idx="1"/>
+          </p:nvPr>
+        </p:nvSpPr>
+        <p:spPr>
+          <a:xfrm>
+            <a:off x="0" y="1563638"/>
+            <a:ext cx="9144000" cy="1803647"/>
+          </a:xfrm>
+        </p:spPr>
+        <p:txBody>
+          <a:bodyPr anchor="ctr">
             <a:normAutofit/>
           </a:bodyPr>
           <a:lstStyle/>
           <a:p>
-            <a:r>
-              <a:rPr lang="zh-CN" altLang="en-US" sz="4000" b="1" dirty="0">
+            <a:pPr algn="ctr">
+              <a:buNone/>
+            </a:pPr>
+            <a:r>
+              <a:rPr lang="zh-TW" altLang="en-US" sz="4800" b="1" dirty="0">
                 <a:solidFill>
                   <a:srgbClr val="000066"/>
                 </a:solidFill>
                 <a:latin typeface="微軟正黑體" pitchFamily="34" charset="-120"/>
                 <a:ea typeface="微軟正黑體" pitchFamily="34" charset="-120"/>
               </a:rPr>
-              <a:t>謝</a:t>
-            </a:r>
-            <a:r>
-              <a:rPr lang="zh-CN" altLang="en-US" sz="4000" b="1" dirty="0">
-                <a:solidFill>
-                  <a:srgbClr val="000066"/>
-                </a:solidFill>
-                <a:latin typeface="微軟正黑體" pitchFamily="34" charset="-120"/>
-                <a:ea typeface="微軟正黑體" pitchFamily="34" charset="-120"/>
-              </a:rPr>
-              <a:t>謝</a:t>
-            </a:r>
-            <a:r>
-              <a:rPr lang="zh-CN" altLang="en-US" sz="4000" b="1" dirty="0">
+              <a:t>我能用什麼報答</a:t>
+            </a:r>
+            <a:r>
+              <a:rPr lang="zh-CN" altLang="en-US" sz="4800" b="1" dirty="0">
                 <a:solidFill>
                   <a:srgbClr val="000066"/>
                 </a:solidFill>
@@ -3436,41 +3214,6 @@
               </a:rPr>
               <a:t>祢</a:t>
             </a:r>
-            <a:endParaRPr lang="zh-TW" altLang="en-US" sz="4000" b="1" dirty="0">
-              <a:solidFill>
-                <a:srgbClr val="000066"/>
-              </a:solidFill>
-              <a:latin typeface="微軟正黑體" pitchFamily="34" charset="-120"/>
-              <a:ea typeface="微軟正黑體" pitchFamily="34" charset="-120"/>
-            </a:endParaRPr>
-          </a:p>
-        </p:txBody>
-      </p:sp>
-      <p:sp>
-        <p:nvSpPr>
-          <p:cNvPr id="5" name="內容版面配置區 4"/>
-          <p:cNvSpPr>
-            <a:spLocks noGrp="1"/>
-          </p:cNvSpPr>
-          <p:nvPr>
-            <p:ph idx="1"/>
-          </p:nvPr>
-        </p:nvSpPr>
-        <p:spPr>
-          <a:xfrm>
-            <a:off x="0" y="1200151"/>
-            <a:ext cx="9144000" cy="3394472"/>
-          </a:xfrm>
-        </p:spPr>
-        <p:txBody>
-          <a:bodyPr>
-            <a:noAutofit/>
-          </a:bodyPr>
-          <a:lstStyle/>
-          <a:p>
-            <a:pPr algn="ctr">
-              <a:buNone/>
-            </a:pPr>
             <a:r>
               <a:rPr lang="zh-TW" altLang="en-US" sz="4800" b="1" dirty="0">
                 <a:solidFill>
@@ -3479,47 +3222,7 @@
                 <a:latin typeface="微軟正黑體" pitchFamily="34" charset="-120"/>
                 <a:ea typeface="微軟正黑體" pitchFamily="34" charset="-120"/>
               </a:rPr>
-              <a:t>謝</a:t>
-            </a:r>
-            <a:r>
-              <a:rPr lang="zh-TW" altLang="en-US" sz="4800" b="1" dirty="0" smtClean="0">
-                <a:solidFill>
-                  <a:srgbClr val="000066"/>
-                </a:solidFill>
-                <a:latin typeface="微軟正黑體" pitchFamily="34" charset="-120"/>
-                <a:ea typeface="微軟正黑體" pitchFamily="34" charset="-120"/>
-              </a:rPr>
-              <a:t>謝</a:t>
-            </a:r>
-            <a:r>
-              <a:rPr lang="zh-CN" altLang="en-US" sz="4800" b="1" dirty="0">
-                <a:solidFill>
-                  <a:srgbClr val="000066"/>
-                </a:solidFill>
-                <a:latin typeface="微軟正黑體" pitchFamily="34" charset="-120"/>
-                <a:ea typeface="微軟正黑體" pitchFamily="34" charset="-120"/>
-              </a:rPr>
-              <a:t>祢</a:t>
-            </a:r>
-            <a:r>
-              <a:rPr lang="zh-TW" altLang="en-US" sz="4800" b="1" dirty="0">
-                <a:solidFill>
-                  <a:srgbClr val="000066"/>
-                </a:solidFill>
-                <a:latin typeface="微軟正黑體" pitchFamily="34" charset="-120"/>
-                <a:ea typeface="微軟正黑體" pitchFamily="34" charset="-120"/>
-              </a:rPr>
-              <a:t>洗</a:t>
-            </a:r>
-            <a:r>
-              <a:rPr lang="zh-TW" altLang="en-US" sz="4800" b="1" dirty="0">
-                <a:solidFill>
-                  <a:srgbClr val="000066"/>
-                </a:solidFill>
-                <a:latin typeface="微軟正黑體" pitchFamily="34" charset="-120"/>
-                <a:ea typeface="微軟正黑體" pitchFamily="34" charset="-120"/>
-              </a:rPr>
-              <a:t>淨我的罪</a:t>
+              <a:t>恩典</a:t>
             </a:r>
             <a:endParaRPr lang="en-US" altLang="zh-TW" sz="4800" b="1" dirty="0">
               <a:solidFill>
@@ -3541,17 +3244,7 @@
                 <a:latin typeface="微軟正黑體" pitchFamily="34" charset="-120"/>
                 <a:ea typeface="微軟正黑體" pitchFamily="34" charset="-120"/>
               </a:rPr>
-              <a:t>謝</a:t>
-            </a:r>
-            <a:r>
-              <a:rPr lang="zh-TW" altLang="en-US" sz="4800" b="1" dirty="0">
-                <a:solidFill>
-                  <a:srgbClr val="000066"/>
-                </a:solidFill>
-                <a:latin typeface="微軟正黑體" pitchFamily="34" charset="-120"/>
-                <a:ea typeface="微軟正黑體" pitchFamily="34" charset="-120"/>
-              </a:rPr>
-              <a:t>謝</a:t>
+              <a:t>世上的一切  無法換取</a:t>
             </a:r>
             <a:r>
               <a:rPr lang="zh-CN" altLang="en-US" sz="4800" b="1" dirty="0">
@@ -3571,17 +3264,7 @@
                 <a:latin typeface="微軟正黑體" pitchFamily="34" charset="-120"/>
                 <a:ea typeface="微軟正黑體" pitchFamily="34" charset="-120"/>
               </a:rPr>
-              <a:t>醫</a:t>
-            </a:r>
-            <a:r>
-              <a:rPr lang="zh-TW" altLang="en-US" sz="4800" b="1" dirty="0">
-                <a:solidFill>
-                  <a:srgbClr val="000066"/>
-                </a:solidFill>
-                <a:latin typeface="微軟正黑體" pitchFamily="34" charset="-120"/>
-                <a:ea typeface="微軟正黑體" pitchFamily="34" charset="-120"/>
-              </a:rPr>
-              <a:t>治我傷悲</a:t>
+              <a:t>的愛</a:t>
             </a:r>
             <a:endParaRPr lang="en-US" altLang="zh-TW" sz="4800" b="1" dirty="0">
               <a:solidFill>
@@ -3591,96 +3274,14 @@
               <a:ea typeface="微軟正黑體" pitchFamily="34" charset="-120"/>
             </a:endParaRPr>
           </a:p>
-          <a:p>
-            <a:pPr algn="ctr">
-              <a:buNone/>
-            </a:pPr>
-            <a:r>
-              <a:rPr lang="zh-TW" altLang="en-US" sz="4800" b="1" dirty="0">
-                <a:solidFill>
-                  <a:srgbClr val="000066"/>
-                </a:solidFill>
-                <a:latin typeface="微軟正黑體" pitchFamily="34" charset="-120"/>
-                <a:ea typeface="微軟正黑體" pitchFamily="34" charset="-120"/>
-              </a:rPr>
-              <a:t>謝</a:t>
-            </a:r>
-            <a:r>
-              <a:rPr lang="zh-TW" altLang="en-US" sz="4800" b="1" dirty="0">
-                <a:solidFill>
-                  <a:srgbClr val="000066"/>
-                </a:solidFill>
-                <a:latin typeface="微軟正黑體" pitchFamily="34" charset="-120"/>
-                <a:ea typeface="微軟正黑體" pitchFamily="34" charset="-120"/>
-              </a:rPr>
-              <a:t>謝</a:t>
-            </a:r>
-            <a:r>
-              <a:rPr lang="zh-CN" altLang="en-US" sz="4800" b="1" dirty="0">
-                <a:solidFill>
-                  <a:srgbClr val="000066"/>
-                </a:solidFill>
-                <a:latin typeface="微軟正黑體" pitchFamily="34" charset="-120"/>
-                <a:ea typeface="微軟正黑體" pitchFamily="34" charset="-120"/>
-              </a:rPr>
-              <a:t>祢</a:t>
-            </a:r>
-            <a:r>
-              <a:rPr lang="zh-TW" altLang="en-US" sz="4800" b="1" dirty="0">
-                <a:solidFill>
-                  <a:srgbClr val="000066"/>
-                </a:solidFill>
-                <a:latin typeface="微軟正黑體" pitchFamily="34" charset="-120"/>
-                <a:ea typeface="微軟正黑體" pitchFamily="34" charset="-120"/>
-              </a:rPr>
-              <a:t>擦</a:t>
-            </a:r>
-            <a:r>
-              <a:rPr lang="zh-TW" altLang="en-US" sz="4800" b="1" dirty="0">
-                <a:solidFill>
-                  <a:srgbClr val="000066"/>
-                </a:solidFill>
-                <a:latin typeface="微軟正黑體" pitchFamily="34" charset="-120"/>
-                <a:ea typeface="微軟正黑體" pitchFamily="34" charset="-120"/>
-              </a:rPr>
-              <a:t>乾我的眼</a:t>
-            </a:r>
-            <a:r>
-              <a:rPr lang="zh-TW" altLang="en-US" sz="4800" b="1" dirty="0">
-                <a:solidFill>
-                  <a:srgbClr val="000066"/>
-                </a:solidFill>
-                <a:latin typeface="微軟正黑體" pitchFamily="34" charset="-120"/>
-                <a:ea typeface="微軟正黑體" pitchFamily="34" charset="-120"/>
-              </a:rPr>
-              <a:t>淚</a:t>
-            </a:r>
-            <a:endParaRPr lang="en-US" altLang="zh-TW" sz="4800" b="1" dirty="0">
-              <a:solidFill>
-                <a:srgbClr val="000066"/>
-              </a:solidFill>
-              <a:latin typeface="微軟正黑體" pitchFamily="34" charset="-120"/>
-              <a:ea typeface="微軟正黑體" pitchFamily="34" charset="-120"/>
-            </a:endParaRPr>
-          </a:p>
-          <a:p>
-            <a:pPr algn="ctr">
-              <a:buNone/>
-            </a:pPr>
-            <a:r>
-              <a:rPr lang="zh-TW" altLang="en-US" sz="4800" b="1" dirty="0">
-                <a:solidFill>
-                  <a:srgbClr val="000066"/>
-                </a:solidFill>
-                <a:latin typeface="微軟正黑體" pitchFamily="34" charset="-120"/>
-                <a:ea typeface="微軟正黑體" pitchFamily="34" charset="-120"/>
-              </a:rPr>
-              <a:t>挪去後悔  釋放我的纏累</a:t>
-            </a:r>
-          </a:p>
         </p:txBody>
       </p:sp>
     </p:spTree>
+    <p:extLst>
+      <p:ext uri="{BB962C8B-B14F-4D97-AF65-F5344CB8AC3E}">
+        <p14:creationId xmlns:p14="http://schemas.microsoft.com/office/powerpoint/2010/main" val="725371420"/>
+      </p:ext>
+    </p:extLst>
   </p:cSld>
   <p:clrMapOvr>
     <a:masterClrMapping/>
@@ -3707,135 +3308,38 @@
       </p:grpSpPr>
       <p:sp>
         <p:nvSpPr>
-          <p:cNvPr id="4" name="標題 3"/>
-          <p:cNvSpPr>
-            <a:spLocks noGrp="1"/>
-          </p:cNvSpPr>
-          <p:nvPr>
-            <p:ph type="title"/>
-          </p:nvPr>
-        </p:nvSpPr>
-        <p:spPr/>
-        <p:txBody>
-          <a:bodyPr>
+          <p:cNvPr id="5" name="內容版面配置區 4"/>
+          <p:cNvSpPr>
+            <a:spLocks noGrp="1"/>
+          </p:cNvSpPr>
+          <p:nvPr>
+            <p:ph idx="1"/>
+          </p:nvPr>
+        </p:nvSpPr>
+        <p:spPr>
+          <a:xfrm>
+            <a:off x="0" y="1563638"/>
+            <a:ext cx="9144000" cy="1803647"/>
+          </a:xfrm>
+        </p:spPr>
+        <p:txBody>
+          <a:bodyPr anchor="ctr">
             <a:normAutofit/>
           </a:bodyPr>
           <a:lstStyle/>
           <a:p>
-            <a:r>
-              <a:rPr lang="zh-CN" altLang="en-US" sz="4000" b="1" dirty="0">
+            <a:pPr algn="ctr">
+              <a:buNone/>
+            </a:pPr>
+            <a:r>
+              <a:rPr lang="zh-TW" altLang="en-US" sz="4800" b="1" dirty="0">
                 <a:solidFill>
                   <a:srgbClr val="000066"/>
                 </a:solidFill>
                 <a:latin typeface="微軟正黑體" pitchFamily="34" charset="-120"/>
                 <a:ea typeface="微軟正黑體" pitchFamily="34" charset="-120"/>
               </a:rPr>
-              <a:t>謝</a:t>
-            </a:r>
-            <a:r>
-              <a:rPr lang="zh-CN" altLang="en-US" sz="4000" b="1" dirty="0">
-                <a:solidFill>
-                  <a:srgbClr val="000066"/>
-                </a:solidFill>
-                <a:latin typeface="微軟正黑體" pitchFamily="34" charset="-120"/>
-                <a:ea typeface="微軟正黑體" pitchFamily="34" charset="-120"/>
-              </a:rPr>
-              <a:t>謝</a:t>
-            </a:r>
-            <a:r>
-              <a:rPr lang="zh-CN" altLang="en-US" sz="4000" b="1" dirty="0">
-                <a:solidFill>
-                  <a:srgbClr val="000066"/>
-                </a:solidFill>
-                <a:latin typeface="微軟正黑體" pitchFamily="34" charset="-120"/>
-                <a:ea typeface="微軟正黑體" pitchFamily="34" charset="-120"/>
-              </a:rPr>
-              <a:t>祢</a:t>
-            </a:r>
-            <a:endParaRPr lang="zh-TW" altLang="en-US" sz="4000" b="1" dirty="0">
-              <a:solidFill>
-                <a:srgbClr val="000066"/>
-              </a:solidFill>
-              <a:latin typeface="微軟正黑體" pitchFamily="34" charset="-120"/>
-              <a:ea typeface="微軟正黑體" pitchFamily="34" charset="-120"/>
-            </a:endParaRPr>
-          </a:p>
-        </p:txBody>
-      </p:sp>
-      <p:sp>
-        <p:nvSpPr>
-          <p:cNvPr id="5" name="內容版面配置區 4"/>
-          <p:cNvSpPr>
-            <a:spLocks noGrp="1"/>
-          </p:cNvSpPr>
-          <p:nvPr>
-            <p:ph idx="1"/>
-          </p:nvPr>
-        </p:nvSpPr>
-        <p:spPr>
-          <a:xfrm>
-            <a:off x="0" y="1200151"/>
-            <a:ext cx="9144000" cy="3394472"/>
-          </a:xfrm>
-        </p:spPr>
-        <p:txBody>
-          <a:bodyPr>
-            <a:noAutofit/>
-          </a:bodyPr>
-          <a:lstStyle/>
-          <a:p>
-            <a:pPr algn="ctr">
-              <a:buNone/>
-            </a:pPr>
-            <a:r>
-              <a:rPr lang="zh-TW" altLang="en-US" sz="4800" b="1" dirty="0">
-                <a:solidFill>
-                  <a:srgbClr val="000066"/>
-                </a:solidFill>
-                <a:latin typeface="微軟正黑體" pitchFamily="34" charset="-120"/>
-                <a:ea typeface="微軟正黑體" pitchFamily="34" charset="-120"/>
-              </a:rPr>
-              <a:t>謝</a:t>
-            </a:r>
-            <a:r>
-              <a:rPr lang="zh-TW" altLang="en-US" sz="4800" b="1" dirty="0">
-                <a:solidFill>
-                  <a:srgbClr val="000066"/>
-                </a:solidFill>
-                <a:latin typeface="微軟正黑體" pitchFamily="34" charset="-120"/>
-                <a:ea typeface="微軟正黑體" pitchFamily="34" charset="-120"/>
-              </a:rPr>
-              <a:t>謝</a:t>
-            </a:r>
-            <a:r>
-              <a:rPr lang="zh-CN" altLang="en-US" sz="4800" b="1" dirty="0">
-                <a:solidFill>
-                  <a:srgbClr val="000066"/>
-                </a:solidFill>
-                <a:latin typeface="微軟正黑體" pitchFamily="34" charset="-120"/>
-                <a:ea typeface="微軟正黑體" pitchFamily="34" charset="-120"/>
-              </a:rPr>
-              <a:t>祢</a:t>
-            </a:r>
-            <a:r>
-              <a:rPr lang="zh-TW" altLang="en-US" sz="4800" b="1" dirty="0">
-                <a:solidFill>
-                  <a:srgbClr val="000066"/>
-                </a:solidFill>
-                <a:latin typeface="微軟正黑體" pitchFamily="34" charset="-120"/>
-                <a:ea typeface="微軟正黑體" pitchFamily="34" charset="-120"/>
-              </a:rPr>
-              <a:t>洗</a:t>
-            </a:r>
-            <a:r>
-              <a:rPr lang="zh-TW" altLang="en-US" sz="4800" b="1" dirty="0">
-                <a:solidFill>
-                  <a:srgbClr val="000066"/>
-                </a:solidFill>
-                <a:latin typeface="微軟正黑體" pitchFamily="34" charset="-120"/>
-                <a:ea typeface="微軟正黑體" pitchFamily="34" charset="-120"/>
-              </a:rPr>
-              <a:t>淨我的罪</a:t>
+              <a:t>白白地得來  無止盡赦免</a:t>
             </a:r>
             <a:endParaRPr lang="en-US" altLang="zh-TW" sz="4800" b="1" dirty="0">
               <a:solidFill>
@@ -3857,8 +3361,73 @@
                 <a:latin typeface="微軟正黑體" pitchFamily="34" charset="-120"/>
                 <a:ea typeface="微軟正黑體" pitchFamily="34" charset="-120"/>
               </a:rPr>
-              <a:t>謝</a:t>
-            </a:r>
+              <a:t>盡在寶血和十架</a:t>
+            </a:r>
+            <a:endParaRPr lang="zh-TW" altLang="en-US" sz="4800" b="1" dirty="0">
+              <a:solidFill>
+                <a:srgbClr val="000066"/>
+              </a:solidFill>
+              <a:latin typeface="微軟正黑體" pitchFamily="34" charset="-120"/>
+              <a:ea typeface="微軟正黑體" pitchFamily="34" charset="-120"/>
+            </a:endParaRPr>
+          </a:p>
+        </p:txBody>
+      </p:sp>
+    </p:spTree>
+    <p:extLst>
+      <p:ext uri="{BB962C8B-B14F-4D97-AF65-F5344CB8AC3E}">
+        <p14:creationId xmlns:p14="http://schemas.microsoft.com/office/powerpoint/2010/main" val="1851784562"/>
+      </p:ext>
+    </p:extLst>
+  </p:cSld>
+  <p:clrMapOvr>
+    <a:masterClrMapping/>
+  </p:clrMapOvr>
+</p:sld>
+</file>
+
+<file path=ppt/slides/slide4.xml><?xml version="1.0" encoding="utf-8"?>
+<p:sld xmlns:a="http://schemas.openxmlformats.org/drawingml/2006/main" xmlns:r="http://schemas.openxmlformats.org/officeDocument/2006/relationships" xmlns:p="http://schemas.openxmlformats.org/presentationml/2006/main">
+  <p:cSld>
+    <p:spTree>
+      <p:nvGrpSpPr>
+        <p:cNvPr id="1" name=""/>
+        <p:cNvGrpSpPr/>
+        <p:nvPr/>
+      </p:nvGrpSpPr>
+      <p:grpSpPr>
+        <a:xfrm>
+          <a:off x="0" y="0"/>
+          <a:ext cx="0" cy="0"/>
+          <a:chOff x="0" y="0"/>
+          <a:chExt cx="0" cy="0"/>
+        </a:xfrm>
+      </p:grpSpPr>
+      <p:sp>
+        <p:nvSpPr>
+          <p:cNvPr id="5" name="內容版面配置區 4"/>
+          <p:cNvSpPr>
+            <a:spLocks noGrp="1"/>
+          </p:cNvSpPr>
+          <p:nvPr>
+            <p:ph idx="1"/>
+          </p:nvPr>
+        </p:nvSpPr>
+        <p:spPr>
+          <a:xfrm>
+            <a:off x="0" y="1563638"/>
+            <a:ext cx="9144000" cy="1803647"/>
+          </a:xfrm>
+        </p:spPr>
+        <p:txBody>
+          <a:bodyPr anchor="ctr">
+            <a:normAutofit/>
+          </a:bodyPr>
+          <a:lstStyle/>
+          <a:p>
+            <a:pPr algn="ctr">
+              <a:buNone/>
+            </a:pPr>
             <a:r>
               <a:rPr lang="zh-TW" altLang="en-US" sz="4800" b="1" dirty="0">
                 <a:solidFill>
@@ -3867,7 +3436,7 @@
                 <a:latin typeface="微軟正黑體" pitchFamily="34" charset="-120"/>
                 <a:ea typeface="微軟正黑體" pitchFamily="34" charset="-120"/>
               </a:rPr>
-              <a:t>謝</a:t>
+              <a:t>謝謝</a:t>
             </a:r>
             <a:r>
               <a:rPr lang="zh-CN" altLang="en-US" sz="4800" b="1" dirty="0">
@@ -3887,17 +3456,7 @@
                 <a:latin typeface="微軟正黑體" pitchFamily="34" charset="-120"/>
                 <a:ea typeface="微軟正黑體" pitchFamily="34" charset="-120"/>
               </a:rPr>
-              <a:t>醫</a:t>
-            </a:r>
-            <a:r>
-              <a:rPr lang="zh-TW" altLang="en-US" sz="4800" b="1" dirty="0">
-                <a:solidFill>
-                  <a:srgbClr val="000066"/>
-                </a:solidFill>
-                <a:latin typeface="微軟正黑體" pitchFamily="34" charset="-120"/>
-                <a:ea typeface="微軟正黑體" pitchFamily="34" charset="-120"/>
-              </a:rPr>
-              <a:t>治我傷悲</a:t>
+              <a:t>洗淨我的罪</a:t>
             </a:r>
             <a:endParaRPr lang="en-US" altLang="zh-TW" sz="4800" b="1" dirty="0">
               <a:solidFill>
@@ -3919,17 +3478,7 @@
                 <a:latin typeface="微軟正黑體" pitchFamily="34" charset="-120"/>
                 <a:ea typeface="微軟正黑體" pitchFamily="34" charset="-120"/>
               </a:rPr>
-              <a:t>謝</a:t>
-            </a:r>
-            <a:r>
-              <a:rPr lang="zh-TW" altLang="en-US" sz="4800" b="1" dirty="0">
-                <a:solidFill>
-                  <a:srgbClr val="000066"/>
-                </a:solidFill>
-                <a:latin typeface="微軟正黑體" pitchFamily="34" charset="-120"/>
-                <a:ea typeface="微軟正黑體" pitchFamily="34" charset="-120"/>
-              </a:rPr>
-              <a:t>謝</a:t>
+              <a:t>謝謝</a:t>
             </a:r>
             <a:r>
               <a:rPr lang="zh-CN" altLang="en-US" sz="4800" b="1" dirty="0">
@@ -3949,17 +3498,7 @@
                 <a:latin typeface="微軟正黑體" pitchFamily="34" charset="-120"/>
                 <a:ea typeface="微軟正黑體" pitchFamily="34" charset="-120"/>
               </a:rPr>
-              <a:t>用</a:t>
-            </a:r>
-            <a:r>
-              <a:rPr lang="zh-TW" altLang="en-US" sz="4800" b="1" dirty="0">
-                <a:solidFill>
-                  <a:srgbClr val="000066"/>
-                </a:solidFill>
-                <a:latin typeface="微軟正黑體" pitchFamily="34" charset="-120"/>
-                <a:ea typeface="微軟正黑體" pitchFamily="34" charset="-120"/>
-              </a:rPr>
-              <a:t>生命將我贖回</a:t>
+              <a:t>醫治我傷悲</a:t>
             </a:r>
             <a:endParaRPr lang="en-US" altLang="zh-TW" sz="4800" b="1" dirty="0">
               <a:solidFill>
@@ -3969,6 +3508,355 @@
               <a:ea typeface="微軟正黑體" pitchFamily="34" charset="-120"/>
             </a:endParaRPr>
           </a:p>
+        </p:txBody>
+      </p:sp>
+    </p:spTree>
+    <p:extLst>
+      <p:ext uri="{BB962C8B-B14F-4D97-AF65-F5344CB8AC3E}">
+        <p14:creationId xmlns:p14="http://schemas.microsoft.com/office/powerpoint/2010/main" val="2125995832"/>
+      </p:ext>
+    </p:extLst>
+  </p:cSld>
+  <p:clrMapOvr>
+    <a:masterClrMapping/>
+  </p:clrMapOvr>
+</p:sld>
+</file>
+
+<file path=ppt/slides/slide5.xml><?xml version="1.0" encoding="utf-8"?>
+<p:sld xmlns:a="http://schemas.openxmlformats.org/drawingml/2006/main" xmlns:r="http://schemas.openxmlformats.org/officeDocument/2006/relationships" xmlns:p="http://schemas.openxmlformats.org/presentationml/2006/main">
+  <p:cSld>
+    <p:spTree>
+      <p:nvGrpSpPr>
+        <p:cNvPr id="1" name=""/>
+        <p:cNvGrpSpPr/>
+        <p:nvPr/>
+      </p:nvGrpSpPr>
+      <p:grpSpPr>
+        <a:xfrm>
+          <a:off x="0" y="0"/>
+          <a:ext cx="0" cy="0"/>
+          <a:chOff x="0" y="0"/>
+          <a:chExt cx="0" cy="0"/>
+        </a:xfrm>
+      </p:grpSpPr>
+      <p:sp>
+        <p:nvSpPr>
+          <p:cNvPr id="5" name="內容版面配置區 4"/>
+          <p:cNvSpPr>
+            <a:spLocks noGrp="1"/>
+          </p:cNvSpPr>
+          <p:nvPr>
+            <p:ph idx="1"/>
+          </p:nvPr>
+        </p:nvSpPr>
+        <p:spPr>
+          <a:xfrm>
+            <a:off x="0" y="1563638"/>
+            <a:ext cx="9144000" cy="1803647"/>
+          </a:xfrm>
+        </p:spPr>
+        <p:txBody>
+          <a:bodyPr anchor="ctr">
+            <a:normAutofit/>
+          </a:bodyPr>
+          <a:lstStyle/>
+          <a:p>
+            <a:pPr algn="ctr">
+              <a:buNone/>
+            </a:pPr>
+            <a:r>
+              <a:rPr lang="zh-TW" altLang="en-US" sz="4800" b="1" dirty="0">
+                <a:solidFill>
+                  <a:srgbClr val="000066"/>
+                </a:solidFill>
+                <a:latin typeface="微軟正黑體" pitchFamily="34" charset="-120"/>
+                <a:ea typeface="微軟正黑體" pitchFamily="34" charset="-120"/>
+              </a:rPr>
+              <a:t>謝謝</a:t>
+            </a:r>
+            <a:r>
+              <a:rPr lang="zh-CN" altLang="en-US" sz="4800" b="1" dirty="0">
+                <a:solidFill>
+                  <a:srgbClr val="000066"/>
+                </a:solidFill>
+                <a:latin typeface="微軟正黑體" pitchFamily="34" charset="-120"/>
+                <a:ea typeface="微軟正黑體" pitchFamily="34" charset="-120"/>
+              </a:rPr>
+              <a:t>祢</a:t>
+            </a:r>
+            <a:r>
+              <a:rPr lang="zh-TW" altLang="en-US" sz="4800" b="1" dirty="0">
+                <a:solidFill>
+                  <a:srgbClr val="000066"/>
+                </a:solidFill>
+                <a:latin typeface="微軟正黑體" pitchFamily="34" charset="-120"/>
+                <a:ea typeface="微軟正黑體" pitchFamily="34" charset="-120"/>
+              </a:rPr>
+              <a:t>擦乾我的眼淚</a:t>
+            </a:r>
+            <a:endParaRPr lang="en-US" altLang="zh-TW" sz="4800" b="1" dirty="0">
+              <a:solidFill>
+                <a:srgbClr val="000066"/>
+              </a:solidFill>
+              <a:latin typeface="微軟正黑體" pitchFamily="34" charset="-120"/>
+              <a:ea typeface="微軟正黑體" pitchFamily="34" charset="-120"/>
+            </a:endParaRPr>
+          </a:p>
+          <a:p>
+            <a:pPr algn="ctr">
+              <a:buNone/>
+            </a:pPr>
+            <a:r>
+              <a:rPr lang="zh-TW" altLang="en-US" sz="4800" b="1" dirty="0">
+                <a:solidFill>
+                  <a:srgbClr val="000066"/>
+                </a:solidFill>
+                <a:latin typeface="微軟正黑體" pitchFamily="34" charset="-120"/>
+                <a:ea typeface="微軟正黑體" pitchFamily="34" charset="-120"/>
+              </a:rPr>
+              <a:t>挪去後悔  釋放我的纏累</a:t>
+            </a:r>
+            <a:endParaRPr lang="zh-TW" altLang="en-US" sz="4800" b="1" dirty="0">
+              <a:solidFill>
+                <a:srgbClr val="000066"/>
+              </a:solidFill>
+              <a:latin typeface="微軟正黑體" pitchFamily="34" charset="-120"/>
+              <a:ea typeface="微軟正黑體" pitchFamily="34" charset="-120"/>
+            </a:endParaRPr>
+          </a:p>
+        </p:txBody>
+      </p:sp>
+    </p:spTree>
+    <p:extLst>
+      <p:ext uri="{BB962C8B-B14F-4D97-AF65-F5344CB8AC3E}">
+        <p14:creationId xmlns:p14="http://schemas.microsoft.com/office/powerpoint/2010/main" val="305393865"/>
+      </p:ext>
+    </p:extLst>
+  </p:cSld>
+  <p:clrMapOvr>
+    <a:masterClrMapping/>
+  </p:clrMapOvr>
+</p:sld>
+</file>
+
+<file path=ppt/slides/slide6.xml><?xml version="1.0" encoding="utf-8"?>
+<p:sld xmlns:a="http://schemas.openxmlformats.org/drawingml/2006/main" xmlns:r="http://schemas.openxmlformats.org/officeDocument/2006/relationships" xmlns:p="http://schemas.openxmlformats.org/presentationml/2006/main">
+  <p:cSld>
+    <p:spTree>
+      <p:nvGrpSpPr>
+        <p:cNvPr id="1" name=""/>
+        <p:cNvGrpSpPr/>
+        <p:nvPr/>
+      </p:nvGrpSpPr>
+      <p:grpSpPr>
+        <a:xfrm>
+          <a:off x="0" y="0"/>
+          <a:ext cx="0" cy="0"/>
+          <a:chOff x="0" y="0"/>
+          <a:chExt cx="0" cy="0"/>
+        </a:xfrm>
+      </p:grpSpPr>
+      <p:sp>
+        <p:nvSpPr>
+          <p:cNvPr id="5" name="內容版面配置區 4"/>
+          <p:cNvSpPr>
+            <a:spLocks noGrp="1"/>
+          </p:cNvSpPr>
+          <p:nvPr>
+            <p:ph idx="1"/>
+          </p:nvPr>
+        </p:nvSpPr>
+        <p:spPr>
+          <a:xfrm>
+            <a:off x="0" y="1563638"/>
+            <a:ext cx="9144000" cy="1803647"/>
+          </a:xfrm>
+        </p:spPr>
+        <p:txBody>
+          <a:bodyPr anchor="ctr">
+            <a:normAutofit/>
+          </a:bodyPr>
+          <a:lstStyle/>
+          <a:p>
+            <a:pPr algn="ctr">
+              <a:buNone/>
+            </a:pPr>
+            <a:r>
+              <a:rPr lang="zh-TW" altLang="en-US" sz="4800" b="1" dirty="0">
+                <a:solidFill>
+                  <a:srgbClr val="000066"/>
+                </a:solidFill>
+                <a:latin typeface="微軟正黑體" pitchFamily="34" charset="-120"/>
+                <a:ea typeface="微軟正黑體" pitchFamily="34" charset="-120"/>
+              </a:rPr>
+              <a:t>謝謝</a:t>
+            </a:r>
+            <a:r>
+              <a:rPr lang="zh-CN" altLang="en-US" sz="4800" b="1" dirty="0">
+                <a:solidFill>
+                  <a:srgbClr val="000066"/>
+                </a:solidFill>
+                <a:latin typeface="微軟正黑體" pitchFamily="34" charset="-120"/>
+                <a:ea typeface="微軟正黑體" pitchFamily="34" charset="-120"/>
+              </a:rPr>
+              <a:t>祢</a:t>
+            </a:r>
+            <a:r>
+              <a:rPr lang="zh-TW" altLang="en-US" sz="4800" b="1" dirty="0">
+                <a:solidFill>
+                  <a:srgbClr val="000066"/>
+                </a:solidFill>
+                <a:latin typeface="微軟正黑體" pitchFamily="34" charset="-120"/>
+                <a:ea typeface="微軟正黑體" pitchFamily="34" charset="-120"/>
+              </a:rPr>
+              <a:t>洗淨我的罪</a:t>
+            </a:r>
+            <a:endParaRPr lang="en-US" altLang="zh-TW" sz="4800" b="1" dirty="0">
+              <a:solidFill>
+                <a:srgbClr val="000066"/>
+              </a:solidFill>
+              <a:latin typeface="微軟正黑體" pitchFamily="34" charset="-120"/>
+              <a:ea typeface="微軟正黑體" pitchFamily="34" charset="-120"/>
+            </a:endParaRPr>
+          </a:p>
+          <a:p>
+            <a:pPr algn="ctr">
+              <a:buNone/>
+            </a:pPr>
+            <a:r>
+              <a:rPr lang="zh-TW" altLang="en-US" sz="4800" b="1" dirty="0">
+                <a:solidFill>
+                  <a:srgbClr val="000066"/>
+                </a:solidFill>
+                <a:latin typeface="微軟正黑體" pitchFamily="34" charset="-120"/>
+                <a:ea typeface="微軟正黑體" pitchFamily="34" charset="-120"/>
+              </a:rPr>
+              <a:t>謝謝</a:t>
+            </a:r>
+            <a:r>
+              <a:rPr lang="zh-CN" altLang="en-US" sz="4800" b="1" dirty="0">
+                <a:solidFill>
+                  <a:srgbClr val="000066"/>
+                </a:solidFill>
+                <a:latin typeface="微軟正黑體" pitchFamily="34" charset="-120"/>
+                <a:ea typeface="微軟正黑體" pitchFamily="34" charset="-120"/>
+              </a:rPr>
+              <a:t>祢</a:t>
+            </a:r>
+            <a:r>
+              <a:rPr lang="zh-TW" altLang="en-US" sz="4800" b="1" dirty="0">
+                <a:solidFill>
+                  <a:srgbClr val="000066"/>
+                </a:solidFill>
+                <a:latin typeface="微軟正黑體" pitchFamily="34" charset="-120"/>
+                <a:ea typeface="微軟正黑體" pitchFamily="34" charset="-120"/>
+              </a:rPr>
+              <a:t>醫治我傷悲</a:t>
+            </a:r>
+            <a:endParaRPr lang="en-US" altLang="zh-TW" sz="4800" b="1" dirty="0">
+              <a:solidFill>
+                <a:srgbClr val="000066"/>
+              </a:solidFill>
+              <a:latin typeface="微軟正黑體" pitchFamily="34" charset="-120"/>
+              <a:ea typeface="微軟正黑體" pitchFamily="34" charset="-120"/>
+            </a:endParaRPr>
+          </a:p>
+        </p:txBody>
+      </p:sp>
+    </p:spTree>
+    <p:extLst>
+      <p:ext uri="{BB962C8B-B14F-4D97-AF65-F5344CB8AC3E}">
+        <p14:creationId xmlns:p14="http://schemas.microsoft.com/office/powerpoint/2010/main" val="3897555218"/>
+      </p:ext>
+    </p:extLst>
+  </p:cSld>
+  <p:clrMapOvr>
+    <a:masterClrMapping/>
+  </p:clrMapOvr>
+</p:sld>
+</file>
+
+<file path=ppt/slides/slide7.xml><?xml version="1.0" encoding="utf-8"?>
+<p:sld xmlns:a="http://schemas.openxmlformats.org/drawingml/2006/main" xmlns:r="http://schemas.openxmlformats.org/officeDocument/2006/relationships" xmlns:p="http://schemas.openxmlformats.org/presentationml/2006/main">
+  <p:cSld>
+    <p:spTree>
+      <p:nvGrpSpPr>
+        <p:cNvPr id="1" name=""/>
+        <p:cNvGrpSpPr/>
+        <p:nvPr/>
+      </p:nvGrpSpPr>
+      <p:grpSpPr>
+        <a:xfrm>
+          <a:off x="0" y="0"/>
+          <a:ext cx="0" cy="0"/>
+          <a:chOff x="0" y="0"/>
+          <a:chExt cx="0" cy="0"/>
+        </a:xfrm>
+      </p:grpSpPr>
+      <p:sp>
+        <p:nvSpPr>
+          <p:cNvPr id="5" name="內容版面配置區 4"/>
+          <p:cNvSpPr>
+            <a:spLocks noGrp="1"/>
+          </p:cNvSpPr>
+          <p:nvPr>
+            <p:ph idx="1"/>
+          </p:nvPr>
+        </p:nvSpPr>
+        <p:spPr>
+          <a:xfrm>
+            <a:off x="0" y="1563638"/>
+            <a:ext cx="9144000" cy="1803647"/>
+          </a:xfrm>
+        </p:spPr>
+        <p:txBody>
+          <a:bodyPr anchor="ctr">
+            <a:normAutofit/>
+          </a:bodyPr>
+          <a:lstStyle/>
+          <a:p>
+            <a:pPr algn="ctr">
+              <a:buNone/>
+            </a:pPr>
+            <a:r>
+              <a:rPr lang="zh-TW" altLang="en-US" sz="4800" b="1" dirty="0">
+                <a:solidFill>
+                  <a:srgbClr val="000066"/>
+                </a:solidFill>
+                <a:latin typeface="微軟正黑體" pitchFamily="34" charset="-120"/>
+                <a:ea typeface="微軟正黑體" pitchFamily="34" charset="-120"/>
+              </a:rPr>
+              <a:t>謝謝</a:t>
+            </a:r>
+            <a:r>
+              <a:rPr lang="zh-CN" altLang="en-US" sz="4800" b="1" dirty="0">
+                <a:solidFill>
+                  <a:srgbClr val="000066"/>
+                </a:solidFill>
+                <a:latin typeface="微軟正黑體" pitchFamily="34" charset="-120"/>
+                <a:ea typeface="微軟正黑體" pitchFamily="34" charset="-120"/>
+              </a:rPr>
+              <a:t>祢</a:t>
+            </a:r>
+            <a:r>
+              <a:rPr lang="zh-TW" altLang="en-US" sz="4800" b="1" dirty="0">
+                <a:solidFill>
+                  <a:srgbClr val="000066"/>
+                </a:solidFill>
+                <a:latin typeface="微軟正黑體" pitchFamily="34" charset="-120"/>
+                <a:ea typeface="微軟正黑體" pitchFamily="34" charset="-120"/>
+              </a:rPr>
+              <a:t>用生命將我贖回</a:t>
+            </a:r>
+            <a:endParaRPr lang="en-US" altLang="zh-TW" sz="4800" b="1" dirty="0">
+              <a:solidFill>
+                <a:srgbClr val="000066"/>
+              </a:solidFill>
+              <a:latin typeface="微軟正黑體" pitchFamily="34" charset="-120"/>
+              <a:ea typeface="微軟正黑體" pitchFamily="34" charset="-120"/>
+            </a:endParaRPr>
+          </a:p>
           <a:p>
             <a:pPr algn="ctr">
               <a:buNone/>
@@ -3983,10 +3871,22 @@
               </a:rPr>
               <a:t>我是天父永遠最愛寶貝</a:t>
             </a:r>
+            <a:endParaRPr lang="zh-TW" altLang="en-US" sz="4800" b="1" dirty="0">
+              <a:solidFill>
+                <a:srgbClr val="000066"/>
+              </a:solidFill>
+              <a:latin typeface="微軟正黑體" pitchFamily="34" charset="-120"/>
+              <a:ea typeface="微軟正黑體" pitchFamily="34" charset="-120"/>
+            </a:endParaRPr>
           </a:p>
         </p:txBody>
       </p:sp>
     </p:spTree>
+    <p:extLst>
+      <p:ext uri="{BB962C8B-B14F-4D97-AF65-F5344CB8AC3E}">
+        <p14:creationId xmlns:p14="http://schemas.microsoft.com/office/powerpoint/2010/main" val="848433728"/>
+      </p:ext>
+    </p:extLst>
   </p:cSld>
   <p:clrMapOvr>
     <a:masterClrMapping/>

--- a/謝謝你(崇拜版).pptx
+++ b/謝謝你(崇拜版).pptx
@@ -310,7 +310,7 @@
           <a:p>
             <a:fld id="{515656C6-E7D2-458B-8896-20BCCA86C4C9}" type="datetimeFigureOut">
               <a:rPr lang="zh-TW" altLang="en-US" smtClean="0"/>
-              <a:t>2020/11/7</a:t>
+              <a:t>2023/11/11</a:t>
             </a:fld>
             <a:endParaRPr lang="zh-TW" altLang="en-US"/>
           </a:p>
@@ -475,7 +475,7 @@
           <a:p>
             <a:fld id="{515656C6-E7D2-458B-8896-20BCCA86C4C9}" type="datetimeFigureOut">
               <a:rPr lang="zh-TW" altLang="en-US" smtClean="0"/>
-              <a:t>2020/11/7</a:t>
+              <a:t>2023/11/11</a:t>
             </a:fld>
             <a:endParaRPr lang="zh-TW" altLang="en-US"/>
           </a:p>
@@ -650,7 +650,7 @@
           <a:p>
             <a:fld id="{515656C6-E7D2-458B-8896-20BCCA86C4C9}" type="datetimeFigureOut">
               <a:rPr lang="zh-TW" altLang="en-US" smtClean="0"/>
-              <a:t>2020/11/7</a:t>
+              <a:t>2023/11/11</a:t>
             </a:fld>
             <a:endParaRPr lang="zh-TW" altLang="en-US"/>
           </a:p>
@@ -815,7 +815,7 @@
           <a:p>
             <a:fld id="{515656C6-E7D2-458B-8896-20BCCA86C4C9}" type="datetimeFigureOut">
               <a:rPr lang="zh-TW" altLang="en-US" smtClean="0"/>
-              <a:t>2020/11/7</a:t>
+              <a:t>2023/11/11</a:t>
             </a:fld>
             <a:endParaRPr lang="zh-TW" altLang="en-US"/>
           </a:p>
@@ -1056,7 +1056,7 @@
           <a:p>
             <a:fld id="{515656C6-E7D2-458B-8896-20BCCA86C4C9}" type="datetimeFigureOut">
               <a:rPr lang="zh-TW" altLang="en-US" smtClean="0"/>
-              <a:t>2020/11/7</a:t>
+              <a:t>2023/11/11</a:t>
             </a:fld>
             <a:endParaRPr lang="zh-TW" altLang="en-US"/>
           </a:p>
@@ -1339,7 +1339,7 @@
           <a:p>
             <a:fld id="{515656C6-E7D2-458B-8896-20BCCA86C4C9}" type="datetimeFigureOut">
               <a:rPr lang="zh-TW" altLang="en-US" smtClean="0"/>
-              <a:t>2020/11/7</a:t>
+              <a:t>2023/11/11</a:t>
             </a:fld>
             <a:endParaRPr lang="zh-TW" altLang="en-US"/>
           </a:p>
@@ -1756,7 +1756,7 @@
           <a:p>
             <a:fld id="{515656C6-E7D2-458B-8896-20BCCA86C4C9}" type="datetimeFigureOut">
               <a:rPr lang="zh-TW" altLang="en-US" smtClean="0"/>
-              <a:t>2020/11/7</a:t>
+              <a:t>2023/11/11</a:t>
             </a:fld>
             <a:endParaRPr lang="zh-TW" altLang="en-US"/>
           </a:p>
@@ -1869,7 +1869,7 @@
           <a:p>
             <a:fld id="{515656C6-E7D2-458B-8896-20BCCA86C4C9}" type="datetimeFigureOut">
               <a:rPr lang="zh-TW" altLang="en-US" smtClean="0"/>
-              <a:t>2020/11/7</a:t>
+              <a:t>2023/11/11</a:t>
             </a:fld>
             <a:endParaRPr lang="zh-TW" altLang="en-US"/>
           </a:p>
@@ -1959,7 +1959,7 @@
           <a:p>
             <a:fld id="{515656C6-E7D2-458B-8896-20BCCA86C4C9}" type="datetimeFigureOut">
               <a:rPr lang="zh-TW" altLang="en-US" smtClean="0"/>
-              <a:t>2020/11/7</a:t>
+              <a:t>2023/11/11</a:t>
             </a:fld>
             <a:endParaRPr lang="zh-TW" altLang="en-US"/>
           </a:p>
@@ -2231,7 +2231,7 @@
           <a:p>
             <a:fld id="{515656C6-E7D2-458B-8896-20BCCA86C4C9}" type="datetimeFigureOut">
               <a:rPr lang="zh-TW" altLang="en-US" smtClean="0"/>
-              <a:t>2020/11/7</a:t>
+              <a:t>2023/11/11</a:t>
             </a:fld>
             <a:endParaRPr lang="zh-TW" altLang="en-US"/>
           </a:p>
@@ -2483,7 +2483,7 @@
           <a:p>
             <a:fld id="{515656C6-E7D2-458B-8896-20BCCA86C4C9}" type="datetimeFigureOut">
               <a:rPr lang="zh-TW" altLang="en-US" smtClean="0"/>
-              <a:t>2020/11/7</a:t>
+              <a:t>2023/11/11</a:t>
             </a:fld>
             <a:endParaRPr lang="zh-TW" altLang="en-US"/>
           </a:p>
@@ -2696,7 +2696,7 @@
           <a:p>
             <a:fld id="{515656C6-E7D2-458B-8896-20BCCA86C4C9}" type="datetimeFigureOut">
               <a:rPr lang="zh-TW" altLang="en-US" smtClean="0"/>
-              <a:t>2020/11/7</a:t>
+              <a:t>2023/11/11</a:t>
             </a:fld>
             <a:endParaRPr lang="zh-TW" altLang="en-US"/>
           </a:p>
@@ -3276,6 +3276,78 @@
           </a:p>
         </p:txBody>
       </p:sp>
+      <p:sp>
+        <p:nvSpPr>
+          <p:cNvPr id="3" name="TextBox 2"/>
+          <p:cNvSpPr txBox="1"/>
+          <p:nvPr/>
+        </p:nvSpPr>
+        <p:spPr>
+          <a:xfrm>
+            <a:off x="0" y="3867894"/>
+            <a:ext cx="9144000" cy="523220"/>
+          </a:xfrm>
+          <a:prstGeom prst="rect">
+            <a:avLst/>
+          </a:prstGeom>
+          <a:noFill/>
+        </p:spPr>
+        <p:txBody>
+          <a:bodyPr wrap="square" rtlCol="0">
+            <a:spAutoFit/>
+          </a:bodyPr>
+          <a:lstStyle/>
+          <a:p>
+            <a:pPr algn="ctr"/>
+            <a:r>
+              <a:rPr lang="en-US" sz="2800" b="1" dirty="0" smtClean="0">
+                <a:solidFill>
+                  <a:srgbClr val="000066"/>
+                </a:solidFill>
+                <a:latin typeface="Microsoft JhengHei" panose="020B0604030504040204" pitchFamily="34" charset="-120"/>
+                <a:ea typeface="Microsoft JhengHei" panose="020B0604030504040204" pitchFamily="34" charset="-120"/>
+              </a:rPr>
+              <a:t>( </a:t>
+            </a:r>
+            <a:r>
+              <a:rPr lang="zh-CN" altLang="en-US" sz="2800" b="1" dirty="0" smtClean="0">
+                <a:solidFill>
+                  <a:srgbClr val="000066"/>
+                </a:solidFill>
+                <a:latin typeface="Microsoft JhengHei" panose="020B0604030504040204" pitchFamily="34" charset="-120"/>
+                <a:ea typeface="Microsoft JhengHei" panose="020B0604030504040204" pitchFamily="34" charset="-120"/>
+              </a:rPr>
+              <a:t>正歌</a:t>
+            </a:r>
+            <a:r>
+              <a:rPr lang="en-US" sz="2800" b="1" dirty="0" smtClean="0">
+                <a:solidFill>
+                  <a:srgbClr val="000066"/>
+                </a:solidFill>
+                <a:latin typeface="Microsoft JhengHei" panose="020B0604030504040204" pitchFamily="34" charset="-120"/>
+                <a:ea typeface="Microsoft JhengHei" panose="020B0604030504040204" pitchFamily="34" charset="-120"/>
+              </a:rPr>
+              <a:t> </a:t>
+            </a:r>
+            <a:r>
+              <a:rPr lang="en-US" sz="2800" b="1" dirty="0" smtClean="0">
+                <a:solidFill>
+                  <a:srgbClr val="000066"/>
+                </a:solidFill>
+                <a:latin typeface="Microsoft JhengHei" panose="020B0604030504040204" pitchFamily="34" charset="-120"/>
+                <a:ea typeface="Microsoft JhengHei" panose="020B0604030504040204" pitchFamily="34" charset="-120"/>
+              </a:rPr>
+              <a:t>)</a:t>
+            </a:r>
+            <a:endParaRPr lang="vi-VN" sz="2800" b="1" dirty="0">
+              <a:solidFill>
+                <a:srgbClr val="000066"/>
+              </a:solidFill>
+              <a:ea typeface="Microsoft JhengHei" panose="020B0604030504040204" pitchFamily="34" charset="-120"/>
+            </a:endParaRPr>
+          </a:p>
+        </p:txBody>
+      </p:sp>
     </p:spTree>
     <p:extLst>
       <p:ext uri="{BB962C8B-B14F-4D97-AF65-F5344CB8AC3E}">
@@ -3363,12 +3435,77 @@
               </a:rPr>
               <a:t>盡在寶血和十架</a:t>
             </a:r>
-            <a:endParaRPr lang="zh-TW" altLang="en-US" sz="4800" b="1" dirty="0">
+          </a:p>
+        </p:txBody>
+      </p:sp>
+      <p:sp>
+        <p:nvSpPr>
+          <p:cNvPr id="3" name="TextBox 2"/>
+          <p:cNvSpPr txBox="1"/>
+          <p:nvPr/>
+        </p:nvSpPr>
+        <p:spPr>
+          <a:xfrm>
+            <a:off x="0" y="3867894"/>
+            <a:ext cx="9144000" cy="523220"/>
+          </a:xfrm>
+          <a:prstGeom prst="rect">
+            <a:avLst/>
+          </a:prstGeom>
+          <a:noFill/>
+        </p:spPr>
+        <p:txBody>
+          <a:bodyPr wrap="square" rtlCol="0">
+            <a:spAutoFit/>
+          </a:bodyPr>
+          <a:lstStyle/>
+          <a:p>
+            <a:pPr algn="ctr"/>
+            <a:r>
+              <a:rPr lang="en-US" sz="2800" b="1" dirty="0" smtClean="0">
+                <a:solidFill>
+                  <a:srgbClr val="000066"/>
+                </a:solidFill>
+                <a:latin typeface="Microsoft JhengHei" panose="020B0604030504040204" pitchFamily="34" charset="-120"/>
+                <a:ea typeface="Microsoft JhengHei" panose="020B0604030504040204" pitchFamily="34" charset="-120"/>
+              </a:rPr>
+              <a:t>( </a:t>
+            </a:r>
+            <a:r>
+              <a:rPr lang="zh-CN" altLang="en-US" sz="2800" b="1" dirty="0" smtClean="0">
+                <a:solidFill>
+                  <a:srgbClr val="000066"/>
+                </a:solidFill>
+                <a:latin typeface="Microsoft JhengHei" panose="020B0604030504040204" pitchFamily="34" charset="-120"/>
+                <a:ea typeface="Microsoft JhengHei" panose="020B0604030504040204" pitchFamily="34" charset="-120"/>
+              </a:rPr>
+              <a:t>正歌</a:t>
+            </a:r>
+            <a:r>
+              <a:rPr lang="en-US" sz="2800" b="1" dirty="0" smtClean="0">
+                <a:solidFill>
+                  <a:srgbClr val="000066"/>
+                </a:solidFill>
+                <a:latin typeface="Microsoft JhengHei" panose="020B0604030504040204" pitchFamily="34" charset="-120"/>
+                <a:ea typeface="Microsoft JhengHei" panose="020B0604030504040204" pitchFamily="34" charset="-120"/>
+              </a:rPr>
+              <a:t> </a:t>
+            </a:r>
+            <a:r>
+              <a:rPr lang="en-US" sz="2800" b="1" dirty="0" smtClean="0">
+                <a:solidFill>
+                  <a:srgbClr val="000066"/>
+                </a:solidFill>
+                <a:latin typeface="Microsoft JhengHei" panose="020B0604030504040204" pitchFamily="34" charset="-120"/>
+                <a:ea typeface="Microsoft JhengHei" panose="020B0604030504040204" pitchFamily="34" charset="-120"/>
+              </a:rPr>
+              <a:t>)</a:t>
+            </a:r>
+            <a:endParaRPr lang="vi-VN" sz="2800" b="1" dirty="0">
               <a:solidFill>
                 <a:srgbClr val="000066"/>
               </a:solidFill>
-              <a:latin typeface="微軟正黑體" pitchFamily="34" charset="-120"/>
-              <a:ea typeface="微軟正黑體" pitchFamily="34" charset="-120"/>
+              <a:ea typeface="Microsoft JhengHei" panose="020B0604030504040204" pitchFamily="34" charset="-120"/>
             </a:endParaRPr>
           </a:p>
         </p:txBody>
@@ -3510,6 +3647,68 @@
           </a:p>
         </p:txBody>
       </p:sp>
+      <p:sp>
+        <p:nvSpPr>
+          <p:cNvPr id="3" name="TextBox 2"/>
+          <p:cNvSpPr txBox="1"/>
+          <p:nvPr/>
+        </p:nvSpPr>
+        <p:spPr>
+          <a:xfrm>
+            <a:off x="0" y="3867894"/>
+            <a:ext cx="9144000" cy="523220"/>
+          </a:xfrm>
+          <a:prstGeom prst="rect">
+            <a:avLst/>
+          </a:prstGeom>
+          <a:noFill/>
+        </p:spPr>
+        <p:txBody>
+          <a:bodyPr wrap="square" rtlCol="0">
+            <a:spAutoFit/>
+          </a:bodyPr>
+          <a:lstStyle/>
+          <a:p>
+            <a:pPr algn="ctr"/>
+            <a:r>
+              <a:rPr lang="en-US" sz="2800" b="1" dirty="0" smtClean="0">
+                <a:solidFill>
+                  <a:srgbClr val="000066"/>
+                </a:solidFill>
+                <a:latin typeface="Microsoft JhengHei" panose="020B0604030504040204" pitchFamily="34" charset="-120"/>
+                <a:ea typeface="Microsoft JhengHei" panose="020B0604030504040204" pitchFamily="34" charset="-120"/>
+              </a:rPr>
+              <a:t>( </a:t>
+            </a:r>
+            <a:r>
+              <a:rPr lang="zh-CN" altLang="en-US" sz="2800" b="1" dirty="0" smtClean="0">
+                <a:solidFill>
+                  <a:srgbClr val="000066"/>
+                </a:solidFill>
+                <a:latin typeface="Microsoft JhengHei" panose="020B0604030504040204" pitchFamily="34" charset="-120"/>
+                <a:ea typeface="Microsoft JhengHei" panose="020B0604030504040204" pitchFamily="34" charset="-120"/>
+              </a:rPr>
+              <a:t>副歌</a:t>
+            </a:r>
+            <a:r>
+              <a:rPr lang="en-US" sz="2800" b="1" dirty="0" smtClean="0">
+                <a:solidFill>
+                  <a:srgbClr val="000066"/>
+                </a:solidFill>
+                <a:latin typeface="Microsoft JhengHei" panose="020B0604030504040204" pitchFamily="34" charset="-120"/>
+                <a:ea typeface="Microsoft JhengHei" panose="020B0604030504040204" pitchFamily="34" charset="-120"/>
+              </a:rPr>
+              <a:t> 1 )</a:t>
+            </a:r>
+            <a:endParaRPr lang="vi-VN" sz="2800" b="1" dirty="0">
+              <a:solidFill>
+                <a:srgbClr val="000066"/>
+              </a:solidFill>
+              <a:ea typeface="Microsoft JhengHei" panose="020B0604030504040204" pitchFamily="34" charset="-120"/>
+            </a:endParaRPr>
+          </a:p>
+        </p:txBody>
+      </p:sp>
     </p:spTree>
     <p:extLst>
       <p:ext uri="{BB962C8B-B14F-4D97-AF65-F5344CB8AC3E}">
@@ -3617,12 +3816,67 @@
               </a:rPr>
               <a:t>挪去後悔  釋放我的纏累</a:t>
             </a:r>
-            <a:endParaRPr lang="zh-TW" altLang="en-US" sz="4800" b="1" dirty="0">
+          </a:p>
+        </p:txBody>
+      </p:sp>
+      <p:sp>
+        <p:nvSpPr>
+          <p:cNvPr id="3" name="TextBox 2"/>
+          <p:cNvSpPr txBox="1"/>
+          <p:nvPr/>
+        </p:nvSpPr>
+        <p:spPr>
+          <a:xfrm>
+            <a:off x="0" y="3867894"/>
+            <a:ext cx="9144000" cy="523220"/>
+          </a:xfrm>
+          <a:prstGeom prst="rect">
+            <a:avLst/>
+          </a:prstGeom>
+          <a:noFill/>
+        </p:spPr>
+        <p:txBody>
+          <a:bodyPr wrap="square" rtlCol="0">
+            <a:spAutoFit/>
+          </a:bodyPr>
+          <a:lstStyle/>
+          <a:p>
+            <a:pPr algn="ctr"/>
+            <a:r>
+              <a:rPr lang="en-US" sz="2800" b="1" dirty="0">
+                <a:solidFill>
+                  <a:srgbClr val="000066"/>
+                </a:solidFill>
+                <a:latin typeface="Microsoft JhengHei" panose="020B0604030504040204" pitchFamily="34" charset="-120"/>
+                <a:ea typeface="Microsoft JhengHei" panose="020B0604030504040204" pitchFamily="34" charset="-120"/>
+              </a:rPr>
+              <a:t>( </a:t>
+            </a:r>
+            <a:r>
+              <a:rPr lang="zh-CN" altLang="en-US" sz="2800" b="1" dirty="0">
+                <a:solidFill>
+                  <a:srgbClr val="000066"/>
+                </a:solidFill>
+                <a:latin typeface="Microsoft JhengHei" panose="020B0604030504040204" pitchFamily="34" charset="-120"/>
+                <a:ea typeface="Microsoft JhengHei" panose="020B0604030504040204" pitchFamily="34" charset="-120"/>
+              </a:rPr>
+              <a:t>副歌</a:t>
+            </a:r>
+            <a:r>
+              <a:rPr lang="en-US" sz="2800" b="1" dirty="0">
+                <a:solidFill>
+                  <a:srgbClr val="000066"/>
+                </a:solidFill>
+                <a:latin typeface="Microsoft JhengHei" panose="020B0604030504040204" pitchFamily="34" charset="-120"/>
+                <a:ea typeface="Microsoft JhengHei" panose="020B0604030504040204" pitchFamily="34" charset="-120"/>
+              </a:rPr>
+              <a:t> 1 )</a:t>
+            </a:r>
+            <a:endParaRPr lang="vi-VN" sz="2800" b="1" dirty="0">
               <a:solidFill>
                 <a:srgbClr val="000066"/>
               </a:solidFill>
-              <a:latin typeface="微軟正黑體" pitchFamily="34" charset="-120"/>
-              <a:ea typeface="微軟正黑體" pitchFamily="34" charset="-120"/>
+              <a:ea typeface="Microsoft JhengHei" panose="020B0604030504040204" pitchFamily="34" charset="-120"/>
             </a:endParaRPr>
           </a:p>
         </p:txBody>
@@ -3764,6 +4018,88 @@
           </a:p>
         </p:txBody>
       </p:sp>
+      <p:sp>
+        <p:nvSpPr>
+          <p:cNvPr id="3" name="TextBox 2"/>
+          <p:cNvSpPr txBox="1"/>
+          <p:nvPr/>
+        </p:nvSpPr>
+        <p:spPr>
+          <a:xfrm>
+            <a:off x="0" y="3867894"/>
+            <a:ext cx="9144000" cy="523220"/>
+          </a:xfrm>
+          <a:prstGeom prst="rect">
+            <a:avLst/>
+          </a:prstGeom>
+          <a:noFill/>
+        </p:spPr>
+        <p:txBody>
+          <a:bodyPr wrap="square" rtlCol="0">
+            <a:spAutoFit/>
+          </a:bodyPr>
+          <a:lstStyle/>
+          <a:p>
+            <a:pPr algn="ctr"/>
+            <a:r>
+              <a:rPr lang="en-US" sz="2800" b="1" dirty="0">
+                <a:solidFill>
+                  <a:srgbClr val="000066"/>
+                </a:solidFill>
+                <a:latin typeface="Microsoft JhengHei" panose="020B0604030504040204" pitchFamily="34" charset="-120"/>
+                <a:ea typeface="Microsoft JhengHei" panose="020B0604030504040204" pitchFamily="34" charset="-120"/>
+              </a:rPr>
+              <a:t>( </a:t>
+            </a:r>
+            <a:r>
+              <a:rPr lang="zh-CN" altLang="en-US" sz="2800" b="1" dirty="0">
+                <a:solidFill>
+                  <a:srgbClr val="000066"/>
+                </a:solidFill>
+                <a:latin typeface="Microsoft JhengHei" panose="020B0604030504040204" pitchFamily="34" charset="-120"/>
+                <a:ea typeface="Microsoft JhengHei" panose="020B0604030504040204" pitchFamily="34" charset="-120"/>
+              </a:rPr>
+              <a:t>副歌</a:t>
+            </a:r>
+            <a:r>
+              <a:rPr lang="en-US" sz="2800" b="1" dirty="0">
+                <a:solidFill>
+                  <a:srgbClr val="000066"/>
+                </a:solidFill>
+                <a:latin typeface="Microsoft JhengHei" panose="020B0604030504040204" pitchFamily="34" charset="-120"/>
+                <a:ea typeface="Microsoft JhengHei" panose="020B0604030504040204" pitchFamily="34" charset="-120"/>
+              </a:rPr>
+              <a:t> </a:t>
+            </a:r>
+            <a:r>
+              <a:rPr lang="en-US" sz="2800" b="1" dirty="0" smtClean="0">
+                <a:solidFill>
+                  <a:srgbClr val="000066"/>
+                </a:solidFill>
+                <a:latin typeface="Microsoft JhengHei" panose="020B0604030504040204" pitchFamily="34" charset="-120"/>
+                <a:ea typeface="Microsoft JhengHei" panose="020B0604030504040204" pitchFamily="34" charset="-120"/>
+              </a:rPr>
+              <a:t>2 </a:t>
+            </a:r>
+            <a:r>
+              <a:rPr lang="en-US" sz="2800" b="1" dirty="0">
+                <a:solidFill>
+                  <a:srgbClr val="000066"/>
+                </a:solidFill>
+                <a:latin typeface="Microsoft JhengHei" panose="020B0604030504040204" pitchFamily="34" charset="-120"/>
+                <a:ea typeface="Microsoft JhengHei" panose="020B0604030504040204" pitchFamily="34" charset="-120"/>
+              </a:rPr>
+              <a:t>)</a:t>
+            </a:r>
+            <a:endParaRPr lang="vi-VN" sz="2800" b="1" dirty="0">
+              <a:solidFill>
+                <a:srgbClr val="000066"/>
+              </a:solidFill>
+              <a:ea typeface="Microsoft JhengHei" panose="020B0604030504040204" pitchFamily="34" charset="-120"/>
+            </a:endParaRPr>
+          </a:p>
+        </p:txBody>
+      </p:sp>
     </p:spTree>
     <p:extLst>
       <p:ext uri="{BB962C8B-B14F-4D97-AF65-F5344CB8AC3E}">
@@ -3871,12 +4207,87 @@
               </a:rPr>
               <a:t>我是天父永遠最愛寶貝</a:t>
             </a:r>
-            <a:endParaRPr lang="zh-TW" altLang="en-US" sz="4800" b="1" dirty="0">
+          </a:p>
+        </p:txBody>
+      </p:sp>
+      <p:sp>
+        <p:nvSpPr>
+          <p:cNvPr id="4" name="TextBox 3"/>
+          <p:cNvSpPr txBox="1"/>
+          <p:nvPr/>
+        </p:nvSpPr>
+        <p:spPr>
+          <a:xfrm>
+            <a:off x="0" y="3867894"/>
+            <a:ext cx="9144000" cy="523220"/>
+          </a:xfrm>
+          <a:prstGeom prst="rect">
+            <a:avLst/>
+          </a:prstGeom>
+          <a:noFill/>
+        </p:spPr>
+        <p:txBody>
+          <a:bodyPr wrap="square" rtlCol="0">
+            <a:spAutoFit/>
+          </a:bodyPr>
+          <a:lstStyle/>
+          <a:p>
+            <a:pPr algn="ctr"/>
+            <a:r>
+              <a:rPr lang="en-US" sz="2800" b="1" dirty="0">
+                <a:solidFill>
+                  <a:srgbClr val="000066"/>
+                </a:solidFill>
+                <a:latin typeface="Microsoft JhengHei" panose="020B0604030504040204" pitchFamily="34" charset="-120"/>
+                <a:ea typeface="Microsoft JhengHei" panose="020B0604030504040204" pitchFamily="34" charset="-120"/>
+              </a:rPr>
+              <a:t>( </a:t>
+            </a:r>
+            <a:r>
+              <a:rPr lang="zh-CN" altLang="en-US" sz="2800" b="1" dirty="0">
+                <a:solidFill>
+                  <a:srgbClr val="000066"/>
+                </a:solidFill>
+                <a:latin typeface="Microsoft JhengHei" panose="020B0604030504040204" pitchFamily="34" charset="-120"/>
+                <a:ea typeface="Microsoft JhengHei" panose="020B0604030504040204" pitchFamily="34" charset="-120"/>
+              </a:rPr>
+              <a:t>副歌</a:t>
+            </a:r>
+            <a:r>
+              <a:rPr lang="en-US" sz="2800" b="1" dirty="0">
+                <a:solidFill>
+                  <a:srgbClr val="000066"/>
+                </a:solidFill>
+                <a:latin typeface="Microsoft JhengHei" panose="020B0604030504040204" pitchFamily="34" charset="-120"/>
+                <a:ea typeface="Microsoft JhengHei" panose="020B0604030504040204" pitchFamily="34" charset="-120"/>
+              </a:rPr>
+              <a:t> </a:t>
+            </a:r>
+            <a:r>
+              <a:rPr lang="en-US" sz="2800" b="1" dirty="0" smtClean="0">
+                <a:solidFill>
+                  <a:srgbClr val="000066"/>
+                </a:solidFill>
+                <a:latin typeface="Microsoft JhengHei" panose="020B0604030504040204" pitchFamily="34" charset="-120"/>
+                <a:ea typeface="Microsoft JhengHei" panose="020B0604030504040204" pitchFamily="34" charset="-120"/>
+              </a:rPr>
+              <a:t>2 </a:t>
+            </a:r>
+            <a:r>
+              <a:rPr lang="en-US" sz="2800" b="1" dirty="0">
+                <a:solidFill>
+                  <a:srgbClr val="000066"/>
+                </a:solidFill>
+                <a:latin typeface="Microsoft JhengHei" panose="020B0604030504040204" pitchFamily="34" charset="-120"/>
+                <a:ea typeface="Microsoft JhengHei" panose="020B0604030504040204" pitchFamily="34" charset="-120"/>
+              </a:rPr>
+              <a:t>)</a:t>
+            </a:r>
+            <a:endParaRPr lang="vi-VN" sz="2800" b="1" dirty="0">
               <a:solidFill>
                 <a:srgbClr val="000066"/>
               </a:solidFill>
-              <a:latin typeface="微軟正黑體" pitchFamily="34" charset="-120"/>
-              <a:ea typeface="微軟正黑體" pitchFamily="34" charset="-120"/>
+              <a:ea typeface="Microsoft JhengHei" panose="020B0604030504040204" pitchFamily="34" charset="-120"/>
             </a:endParaRPr>
           </a:p>
         </p:txBody>
